--- a/Bispectrum and Recurrent Neural Networks.pptx
+++ b/Bispectrum and Recurrent Neural Networks.pptx
@@ -5,14 +5,16 @@
     <p:sldMasterId id="2147483672" r:id="rId1"/>
   </p:sldMasterIdLst>
   <p:notesMasterIdLst>
-    <p:notesMasterId r:id="rId7"/>
+    <p:notesMasterId r:id="rId9"/>
   </p:notesMasterIdLst>
   <p:sldIdLst>
     <p:sldId id="260" r:id="rId2"/>
-    <p:sldId id="262" r:id="rId3"/>
-    <p:sldId id="264" r:id="rId4"/>
-    <p:sldId id="266" r:id="rId5"/>
-    <p:sldId id="265" r:id="rId6"/>
+    <p:sldId id="267" r:id="rId3"/>
+    <p:sldId id="262" r:id="rId4"/>
+    <p:sldId id="264" r:id="rId5"/>
+    <p:sldId id="266" r:id="rId6"/>
+    <p:sldId id="268" r:id="rId7"/>
+    <p:sldId id="265" r:id="rId8"/>
   </p:sldIdLst>
   <p:sldSz cx="12192000" cy="6858000"/>
   <p:notesSz cx="6858000" cy="9144000"/>
@@ -315,6 +317,113 @@
 </p:notesMaster>
 </file>
 
+<file path=ppt/notesSlides/notesSlide1.xml><?xml version="1.0" encoding="utf-8"?>
+<p:notes xmlns:a="http://schemas.openxmlformats.org/drawingml/2006/main" xmlns:r="http://schemas.openxmlformats.org/officeDocument/2006/relationships" xmlns:p="http://schemas.openxmlformats.org/presentationml/2006/main">
+  <p:cSld>
+    <p:spTree>
+      <p:nvGrpSpPr>
+        <p:cNvPr id="1" name=""/>
+        <p:cNvGrpSpPr/>
+        <p:nvPr/>
+      </p:nvGrpSpPr>
+      <p:grpSpPr>
+        <a:xfrm>
+          <a:off x="0" y="0"/>
+          <a:ext cx="0" cy="0"/>
+          <a:chOff x="0" y="0"/>
+          <a:chExt cx="0" cy="0"/>
+        </a:xfrm>
+      </p:grpSpPr>
+      <p:sp>
+        <p:nvSpPr>
+          <p:cNvPr id="2" name="슬라이드 이미지 개체 틀 1"/>
+          <p:cNvSpPr>
+            <a:spLocks noGrp="1" noRot="1" noChangeAspect="1"/>
+          </p:cNvSpPr>
+          <p:nvPr>
+            <p:ph type="sldImg"/>
+          </p:nvPr>
+        </p:nvSpPr>
+        <p:spPr>
+          <a:xfrm>
+            <a:off x="685800" y="1143000"/>
+            <a:ext cx="5486400" cy="3086100"/>
+          </a:xfrm>
+          <a:prstGeom prst="rect">
+            <a:avLst/>
+          </a:prstGeom>
+          <a:noFill/>
+          <a:ln w="12700">
+            <a:solidFill>
+              <a:prstClr val="black"/>
+            </a:solidFill>
+          </a:ln>
+        </p:spPr>
+      </p:sp>
+      <p:sp>
+        <p:nvSpPr>
+          <p:cNvPr id="3" name="슬라이드 노트 개체 틀 2"/>
+          <p:cNvSpPr>
+            <a:spLocks noGrp="1"/>
+          </p:cNvSpPr>
+          <p:nvPr>
+            <p:ph type="body" idx="1"/>
+          </p:nvPr>
+        </p:nvSpPr>
+        <p:spPr>
+          <a:xfrm>
+            <a:off x="685800" y="4400550"/>
+            <a:ext cx="5486400" cy="3600450"/>
+          </a:xfrm>
+          <a:prstGeom prst="rect">
+            <a:avLst/>
+          </a:prstGeom>
+        </p:spPr>
+        <p:txBody>
+          <a:bodyPr/>
+          <a:lstStyle/>
+          <a:p>
+            <a:endParaRPr lang="ko-KR" altLang="en-US"/>
+          </a:p>
+        </p:txBody>
+      </p:sp>
+      <p:sp>
+        <p:nvSpPr>
+          <p:cNvPr id="4" name="슬라이드 번호 개체 틀 3"/>
+          <p:cNvSpPr>
+            <a:spLocks noGrp="1"/>
+          </p:cNvSpPr>
+          <p:nvPr>
+            <p:ph type="sldNum" sz="quarter" idx="5"/>
+          </p:nvPr>
+        </p:nvSpPr>
+        <p:spPr/>
+        <p:txBody>
+          <a:bodyPr/>
+          <a:lstStyle/>
+          <a:p>
+            <a:fld id="{1DF3DADC-D9FE-4959-8116-66632F2B7016}" type="slidenum">
+              <a:rPr lang="ko-KR" altLang="en-US" smtClean="0"/>
+              <a:pPr/>
+              <a:t>6</a:t>
+            </a:fld>
+            <a:endParaRPr lang="ko-KR" altLang="en-US" dirty="0"/>
+          </a:p>
+        </p:txBody>
+      </p:sp>
+    </p:spTree>
+    <p:extLst>
+      <p:ext uri="{BB962C8B-B14F-4D97-AF65-F5344CB8AC3E}">
+        <p14:creationId xmlns:p14="http://schemas.microsoft.com/office/powerpoint/2010/main" val="2016189348"/>
+      </p:ext>
+    </p:extLst>
+  </p:cSld>
+  <p:clrMapOvr>
+    <a:masterClrMapping/>
+  </p:clrMapOvr>
+</p:notes>
+</file>
+
 <file path=ppt/slideLayouts/slideLayout1.xml><?xml version="1.0" encoding="utf-8"?>
 <p:sldLayout xmlns:a="http://schemas.openxmlformats.org/drawingml/2006/main" xmlns:r="http://schemas.openxmlformats.org/officeDocument/2006/relationships" xmlns:p="http://schemas.openxmlformats.org/presentationml/2006/main" preserve="1" userDrawn="1">
   <p:cSld name="제목 슬라이드">
@@ -649,7 +758,7 @@
           <a:p>
             <a:fld id="{5086F7F9-7C90-4C6B-AC14-C313B5DDE824}" type="datetime1">
               <a:rPr lang="ko-KR" altLang="en-US" smtClean="0"/>
-              <a:t>2019-11-13</a:t>
+              <a:t>2019-11-21</a:t>
             </a:fld>
             <a:endParaRPr lang="ko-KR" altLang="en-US"/>
           </a:p>
@@ -851,7 +960,7 @@
           <a:p>
             <a:fld id="{0ADA02F0-A2D5-4382-851E-DF852B801DE8}" type="datetime1">
               <a:rPr lang="ko-KR" altLang="en-US" smtClean="0"/>
-              <a:t>2019-11-13</a:t>
+              <a:t>2019-11-21</a:t>
             </a:fld>
             <a:endParaRPr lang="ko-KR" altLang="en-US"/>
           </a:p>
@@ -1036,7 +1145,7 @@
           <a:p>
             <a:fld id="{E7B3AEDE-F6DA-40E4-8257-820BB5DED030}" type="datetime1">
               <a:rPr lang="ko-KR" altLang="en-US" smtClean="0"/>
-              <a:t>2019-11-13</a:t>
+              <a:t>2019-11-21</a:t>
             </a:fld>
             <a:endParaRPr lang="ko-KR" altLang="en-US"/>
           </a:p>
@@ -1286,7 +1395,7 @@
           <a:p>
             <a:fld id="{5086F7F9-7C90-4C6B-AC14-C313B5DDE824}" type="datetime1">
               <a:rPr lang="ko-KR" altLang="en-US" smtClean="0"/>
-              <a:t>2019-11-13</a:t>
+              <a:t>2019-11-21</a:t>
             </a:fld>
             <a:endParaRPr lang="ko-KR" altLang="en-US"/>
           </a:p>
@@ -1488,7 +1597,7 @@
           <a:p>
             <a:fld id="{83934FC9-36CD-4B4C-920F-1AA58BB1C3C7}" type="datetime1">
               <a:rPr lang="ko-KR" altLang="en-US" smtClean="0"/>
-              <a:t>2019-11-13</a:t>
+              <a:t>2019-11-21</a:t>
             </a:fld>
             <a:endParaRPr lang="ko-KR" altLang="en-US" dirty="0"/>
           </a:p>
@@ -1756,7 +1865,7 @@
           <a:p>
             <a:fld id="{6C7EB3E1-D680-43CE-9D25-193E0D87A376}" type="datetime1">
               <a:rPr lang="ko-KR" altLang="en-US" smtClean="0"/>
-              <a:t>2019-11-13</a:t>
+              <a:t>2019-11-21</a:t>
             </a:fld>
             <a:endParaRPr lang="ko-KR" altLang="en-US"/>
           </a:p>
@@ -2018,7 +2127,7 @@
           <a:p>
             <a:fld id="{E2BFC614-7D21-4E25-8268-8D3544DB622E}" type="datetime1">
               <a:rPr lang="ko-KR" altLang="en-US" smtClean="0"/>
-              <a:t>2019-11-13</a:t>
+              <a:t>2019-11-21</a:t>
             </a:fld>
             <a:endParaRPr lang="ko-KR" altLang="en-US"/>
           </a:p>
@@ -2416,7 +2525,7 @@
           <a:p>
             <a:fld id="{A117003B-012A-4EC6-82AA-07E8DD3AA5A1}" type="datetime1">
               <a:rPr lang="ko-KR" altLang="en-US" smtClean="0"/>
-              <a:t>2019-11-13</a:t>
+              <a:t>2019-11-21</a:t>
             </a:fld>
             <a:endParaRPr lang="ko-KR" altLang="en-US"/>
           </a:p>
@@ -2558,7 +2667,7 @@
           <a:p>
             <a:fld id="{BC2ECA0E-0FE1-4C70-935B-5CC3C5F86D17}" type="datetime1">
               <a:rPr lang="ko-KR" altLang="en-US" smtClean="0"/>
-              <a:t>2019-11-13</a:t>
+              <a:t>2019-11-21</a:t>
             </a:fld>
             <a:endParaRPr lang="ko-KR" altLang="en-US"/>
           </a:p>
@@ -2669,7 +2778,7 @@
           <a:p>
             <a:fld id="{12637E85-E75A-4DCE-B0FE-8330E3634C7C}" type="datetime1">
               <a:rPr lang="ko-KR" altLang="en-US" smtClean="0"/>
-              <a:t>2019-11-13</a:t>
+              <a:t>2019-11-21</a:t>
             </a:fld>
             <a:endParaRPr lang="ko-KR" altLang="en-US"/>
           </a:p>
@@ -2971,7 +3080,7 @@
           <a:p>
             <a:fld id="{138324DE-A25D-4E9D-95DD-C670D0208792}" type="datetime1">
               <a:rPr lang="ko-KR" altLang="en-US" smtClean="0"/>
-              <a:t>2019-11-13</a:t>
+              <a:t>2019-11-21</a:t>
             </a:fld>
             <a:endParaRPr lang="ko-KR" altLang="en-US"/>
           </a:p>
@@ -3253,7 +3362,7 @@
           <a:p>
             <a:fld id="{04D902C3-936E-4523-89E1-3FD581EE764D}" type="datetime1">
               <a:rPr lang="ko-KR" altLang="en-US" smtClean="0"/>
-              <a:t>2019-11-13</a:t>
+              <a:t>2019-11-21</a:t>
             </a:fld>
             <a:endParaRPr lang="ko-KR" altLang="en-US"/>
           </a:p>
@@ -3981,7 +4090,7 @@
                   <a:latin typeface="+mj-lt"/>
                   <a:ea typeface="Noto Sans CJK KR Medium" panose="020B0600000000000000" pitchFamily="34" charset="-127"/>
                 </a:rPr>
-                <a:t>2019.11.06</a:t>
+                <a:t>2019.11.15</a:t>
               </a:r>
             </a:p>
           </p:txBody>
@@ -4070,7 +4179,7 @@
         <p:spPr>
           <a:xfrm>
             <a:off x="520048" y="1027579"/>
-            <a:ext cx="11453467" cy="5358518"/>
+            <a:ext cx="11453467" cy="1203535"/>
           </a:xfrm>
           <a:prstGeom prst="rect">
             <a:avLst/>
@@ -4094,8 +4203,27 @@
               <a:rPr lang="en-US" altLang="ko-KR" dirty="0">
                 <a:latin typeface="+mj-lt"/>
               </a:rPr>
-              <a:t>Materials and Method </a:t>
-            </a:r>
+              <a:t>3D-CNN code modulation </a:t>
+            </a:r>
+            <a:endParaRPr lang="en-US" altLang="ko-KR" dirty="0">
+              <a:latin typeface="+mn-ea"/>
+            </a:endParaRPr>
+          </a:p>
+          <a:p>
+            <a:pPr marL="285750" indent="-285750">
+              <a:lnSpc>
+                <a:spcPct val="150000"/>
+              </a:lnSpc>
+              <a:buFont typeface="Arial" panose="020B0604020202020204" pitchFamily="34" charset="0"/>
+              <a:buChar char="•"/>
+            </a:pPr>
+            <a:r>
+              <a:rPr lang="en-US" altLang="ko-KR" dirty="0">
+                <a:latin typeface="+mj-lt"/>
+              </a:rPr>
+              <a:t>Paper review</a:t>
+            </a:r>
+            <a:endParaRPr lang="en-US" altLang="ko-KR" dirty="0"/>
           </a:p>
           <a:p>
             <a:pPr marL="914400" lvl="1" indent="-457200">
@@ -4109,175 +4237,14 @@
               <a:rPr lang="en-US" altLang="ko-KR" dirty="0" err="1">
                 <a:latin typeface="+mn-ea"/>
               </a:rPr>
-              <a:t>Bispectral</a:t>
+              <a:t>Bispectrum</a:t>
             </a:r>
             <a:r>
               <a:rPr lang="en-US" altLang="ko-KR" dirty="0">
                 <a:latin typeface="+mn-ea"/>
               </a:rPr>
-              <a:t> feature extraction</a:t>
-            </a:r>
-          </a:p>
-          <a:p>
-            <a:pPr marL="1371600" lvl="2" indent="-457200">
-              <a:lnSpc>
-                <a:spcPct val="150000"/>
-              </a:lnSpc>
-              <a:buFontTx/>
-              <a:buChar char="-"/>
-            </a:pPr>
-            <a:r>
-              <a:rPr lang="en-US" altLang="ko-KR" dirty="0">
-                <a:latin typeface="+mn-ea"/>
-              </a:rPr>
-              <a:t>Database</a:t>
-            </a:r>
-          </a:p>
-          <a:p>
-            <a:pPr marL="1371600" lvl="2" indent="-457200">
-              <a:lnSpc>
-                <a:spcPct val="150000"/>
-              </a:lnSpc>
-              <a:buFontTx/>
-              <a:buChar char="-"/>
-            </a:pPr>
-            <a:r>
-              <a:rPr lang="en-US" altLang="ko-KR" dirty="0" err="1">
-                <a:latin typeface="+mn-ea"/>
-              </a:rPr>
-              <a:t>Bispectrum</a:t>
-            </a:r>
-            <a:r>
-              <a:rPr lang="en-US" altLang="ko-KR" dirty="0">
-                <a:latin typeface="+mn-ea"/>
-              </a:rPr>
-              <a:t> analysis</a:t>
-            </a:r>
-          </a:p>
-          <a:p>
-            <a:pPr marL="1371600" lvl="2" indent="-457200">
-              <a:lnSpc>
-                <a:spcPct val="150000"/>
-              </a:lnSpc>
-              <a:buFontTx/>
-              <a:buChar char="-"/>
-            </a:pPr>
-            <a:r>
-              <a:rPr lang="en-US" altLang="ko-KR" dirty="0">
-                <a:latin typeface="+mn-ea"/>
-              </a:rPr>
-              <a:t>Higher-order spectral features</a:t>
-            </a:r>
-          </a:p>
-          <a:p>
-            <a:pPr marL="914400" lvl="1" indent="-457200">
-              <a:lnSpc>
-                <a:spcPct val="150000"/>
-              </a:lnSpc>
-              <a:buFontTx/>
-              <a:buChar char="-"/>
-            </a:pPr>
-            <a:r>
-              <a:rPr lang="en-US" altLang="ko-KR" dirty="0">
-                <a:latin typeface="+mn-ea"/>
-              </a:rPr>
-              <a:t>Seizure prediction algorithm</a:t>
-            </a:r>
-          </a:p>
-          <a:p>
-            <a:pPr marL="1371600" lvl="2" indent="-457200">
-              <a:lnSpc>
-                <a:spcPct val="150000"/>
-              </a:lnSpc>
-              <a:buFontTx/>
-              <a:buChar char="-"/>
-            </a:pPr>
-            <a:r>
-              <a:rPr lang="en-US" altLang="ko-KR" dirty="0">
-                <a:latin typeface="+mn-ea"/>
-              </a:rPr>
-              <a:t>Recurrent neural network architecture</a:t>
-            </a:r>
-          </a:p>
-          <a:p>
-            <a:pPr marL="1371600" lvl="2" indent="-457200">
-              <a:lnSpc>
-                <a:spcPct val="150000"/>
-              </a:lnSpc>
-              <a:buFontTx/>
-              <a:buChar char="-"/>
-            </a:pPr>
-            <a:r>
-              <a:rPr lang="en-US" altLang="ko-KR" dirty="0">
-                <a:latin typeface="+mn-ea"/>
-              </a:rPr>
-              <a:t>LSTM training and data splitting</a:t>
-            </a:r>
-          </a:p>
-          <a:p>
-            <a:pPr marL="1371600" lvl="2" indent="-457200">
-              <a:lnSpc>
-                <a:spcPct val="150000"/>
-              </a:lnSpc>
-              <a:buFontTx/>
-              <a:buChar char="-"/>
-            </a:pPr>
-            <a:r>
-              <a:rPr lang="en-US" altLang="ko-KR" dirty="0">
-                <a:latin typeface="+mn-ea"/>
-              </a:rPr>
-              <a:t>Classification performance evaluation</a:t>
-            </a:r>
-          </a:p>
-          <a:p>
-            <a:pPr lvl="2">
-              <a:lnSpc>
-                <a:spcPct val="150000"/>
-              </a:lnSpc>
-            </a:pPr>
-            <a:endParaRPr lang="en-US" altLang="ko-KR" dirty="0">
-              <a:latin typeface="+mn-ea"/>
-            </a:endParaRPr>
-          </a:p>
-          <a:p>
-            <a:pPr marL="285750" indent="-285750">
-              <a:lnSpc>
-                <a:spcPct val="150000"/>
-              </a:lnSpc>
-              <a:buFont typeface="Arial" panose="020B0604020202020204" pitchFamily="34" charset="0"/>
-              <a:buChar char="•"/>
-            </a:pPr>
-            <a:r>
-              <a:rPr lang="en-US" altLang="ko-KR" dirty="0">
-                <a:latin typeface="+mj-lt"/>
-              </a:rPr>
-              <a:t>Results and Discussion Subject-Specific EEG classification results</a:t>
-            </a:r>
-          </a:p>
-          <a:p>
-            <a:pPr marL="285750" indent="-285750">
-              <a:lnSpc>
-                <a:spcPct val="150000"/>
-              </a:lnSpc>
-              <a:buFont typeface="Arial" panose="020B0604020202020204" pitchFamily="34" charset="0"/>
-              <a:buChar char="•"/>
-            </a:pPr>
-            <a:r>
-              <a:rPr lang="en-US" altLang="ko-KR" dirty="0">
-                <a:latin typeface="+mj-lt"/>
-              </a:rPr>
-              <a:t>Conclusion  </a:t>
-            </a:r>
-          </a:p>
-          <a:p>
-            <a:pPr>
-              <a:lnSpc>
-                <a:spcPct val="150000"/>
-              </a:lnSpc>
-            </a:pPr>
-            <a:endParaRPr lang="en-US" altLang="ko-KR" dirty="0">
-              <a:latin typeface="+mn-ea"/>
-            </a:endParaRPr>
+              <a:t> and Recurrent Neural Networks: Improved Classification of Interictal and Preictal States</a:t>
+            </a:r>
           </a:p>
         </p:txBody>
       </p:sp>
@@ -4492,6 +4459,470 @@
     </p:spTree>
     <p:extLst>
       <p:ext uri="{BB962C8B-B14F-4D97-AF65-F5344CB8AC3E}">
+        <p14:creationId xmlns:p14="http://schemas.microsoft.com/office/powerpoint/2010/main" val="3615585480"/>
+      </p:ext>
+    </p:extLst>
+  </p:cSld>
+  <p:clrMapOvr>
+    <a:masterClrMapping/>
+  </p:clrMapOvr>
+</p:sld>
+</file>
+
+<file path=ppt/slides/slide3.xml><?xml version="1.0" encoding="utf-8"?>
+<p:sld xmlns:a="http://schemas.openxmlformats.org/drawingml/2006/main" xmlns:r="http://schemas.openxmlformats.org/officeDocument/2006/relationships" xmlns:p="http://schemas.openxmlformats.org/presentationml/2006/main">
+  <p:cSld>
+    <p:spTree>
+      <p:nvGrpSpPr>
+        <p:cNvPr id="1" name=""/>
+        <p:cNvGrpSpPr/>
+        <p:nvPr/>
+      </p:nvGrpSpPr>
+      <p:grpSpPr>
+        <a:xfrm>
+          <a:off x="0" y="0"/>
+          <a:ext cx="0" cy="0"/>
+          <a:chOff x="0" y="0"/>
+          <a:chExt cx="0" cy="0"/>
+        </a:xfrm>
+      </p:grpSpPr>
+      <p:sp>
+        <p:nvSpPr>
+          <p:cNvPr id="14" name="TextBox 13">
+            <a:extLst>
+              <a:ext uri="{FF2B5EF4-FFF2-40B4-BE49-F238E27FC236}">
+                <a16:creationId xmlns:a16="http://schemas.microsoft.com/office/drawing/2014/main" id="{C03B7F5C-3EE9-4C54-9191-2AA9300D2FAE}"/>
+              </a:ext>
+            </a:extLst>
+          </p:cNvPr>
+          <p:cNvSpPr txBox="1"/>
+          <p:nvPr/>
+        </p:nvSpPr>
+        <p:spPr>
+          <a:xfrm>
+            <a:off x="520048" y="1027579"/>
+            <a:ext cx="11453467" cy="5358518"/>
+          </a:xfrm>
+          <a:prstGeom prst="rect">
+            <a:avLst/>
+          </a:prstGeom>
+          <a:noFill/>
+        </p:spPr>
+        <p:txBody>
+          <a:bodyPr wrap="square" lIns="0" tIns="0" rIns="0" bIns="0" rtlCol="0" anchor="t">
+            <a:spAutoFit/>
+          </a:bodyPr>
+          <a:lstStyle/>
+          <a:p>
+            <a:pPr marL="285750" indent="-285750">
+              <a:lnSpc>
+                <a:spcPct val="150000"/>
+              </a:lnSpc>
+              <a:buFont typeface="Arial" panose="020B0604020202020204" pitchFamily="34" charset="0"/>
+              <a:buChar char="•"/>
+            </a:pPr>
+            <a:r>
+              <a:rPr lang="en-US" altLang="ko-KR" dirty="0">
+                <a:latin typeface="+mj-lt"/>
+              </a:rPr>
+              <a:t>Materials and Method </a:t>
+            </a:r>
+          </a:p>
+          <a:p>
+            <a:pPr marL="914400" lvl="1" indent="-457200">
+              <a:lnSpc>
+                <a:spcPct val="150000"/>
+              </a:lnSpc>
+              <a:buFontTx/>
+              <a:buChar char="-"/>
+            </a:pPr>
+            <a:r>
+              <a:rPr lang="en-US" altLang="ko-KR" dirty="0" err="1">
+                <a:latin typeface="+mn-ea"/>
+              </a:rPr>
+              <a:t>Bispectral</a:t>
+            </a:r>
+            <a:r>
+              <a:rPr lang="en-US" altLang="ko-KR" dirty="0">
+                <a:latin typeface="+mn-ea"/>
+              </a:rPr>
+              <a:t> feature extraction</a:t>
+            </a:r>
+          </a:p>
+          <a:p>
+            <a:pPr marL="1371600" lvl="2" indent="-457200">
+              <a:lnSpc>
+                <a:spcPct val="150000"/>
+              </a:lnSpc>
+              <a:buFontTx/>
+              <a:buChar char="-"/>
+            </a:pPr>
+            <a:r>
+              <a:rPr lang="en-US" altLang="ko-KR" dirty="0">
+                <a:latin typeface="+mn-ea"/>
+              </a:rPr>
+              <a:t>Database</a:t>
+            </a:r>
+          </a:p>
+          <a:p>
+            <a:pPr marL="1371600" lvl="2" indent="-457200">
+              <a:lnSpc>
+                <a:spcPct val="150000"/>
+              </a:lnSpc>
+              <a:buFontTx/>
+              <a:buChar char="-"/>
+            </a:pPr>
+            <a:r>
+              <a:rPr lang="en-US" altLang="ko-KR" dirty="0" err="1">
+                <a:latin typeface="+mn-ea"/>
+              </a:rPr>
+              <a:t>Bispectrum</a:t>
+            </a:r>
+            <a:r>
+              <a:rPr lang="en-US" altLang="ko-KR" dirty="0">
+                <a:latin typeface="+mn-ea"/>
+              </a:rPr>
+              <a:t> analysis</a:t>
+            </a:r>
+          </a:p>
+          <a:p>
+            <a:pPr marL="1371600" lvl="2" indent="-457200">
+              <a:lnSpc>
+                <a:spcPct val="150000"/>
+              </a:lnSpc>
+              <a:buFontTx/>
+              <a:buChar char="-"/>
+            </a:pPr>
+            <a:r>
+              <a:rPr lang="en-US" altLang="ko-KR" dirty="0">
+                <a:latin typeface="+mn-ea"/>
+              </a:rPr>
+              <a:t>Higher-order spectral features</a:t>
+            </a:r>
+          </a:p>
+          <a:p>
+            <a:pPr marL="914400" lvl="1" indent="-457200">
+              <a:lnSpc>
+                <a:spcPct val="150000"/>
+              </a:lnSpc>
+              <a:buFontTx/>
+              <a:buChar char="-"/>
+            </a:pPr>
+            <a:r>
+              <a:rPr lang="en-US" altLang="ko-KR" dirty="0">
+                <a:latin typeface="+mn-ea"/>
+              </a:rPr>
+              <a:t>Seizure prediction algorithm</a:t>
+            </a:r>
+          </a:p>
+          <a:p>
+            <a:pPr marL="1371600" lvl="2" indent="-457200">
+              <a:lnSpc>
+                <a:spcPct val="150000"/>
+              </a:lnSpc>
+              <a:buFontTx/>
+              <a:buChar char="-"/>
+            </a:pPr>
+            <a:r>
+              <a:rPr lang="en-US" altLang="ko-KR" dirty="0">
+                <a:latin typeface="+mn-ea"/>
+              </a:rPr>
+              <a:t>Recurrent neural network architecture</a:t>
+            </a:r>
+          </a:p>
+          <a:p>
+            <a:pPr marL="1371600" lvl="2" indent="-457200">
+              <a:lnSpc>
+                <a:spcPct val="150000"/>
+              </a:lnSpc>
+              <a:buFontTx/>
+              <a:buChar char="-"/>
+            </a:pPr>
+            <a:r>
+              <a:rPr lang="en-US" altLang="ko-KR" dirty="0">
+                <a:latin typeface="+mn-ea"/>
+              </a:rPr>
+              <a:t>LSTM training and data splitting</a:t>
+            </a:r>
+          </a:p>
+          <a:p>
+            <a:pPr marL="1371600" lvl="2" indent="-457200">
+              <a:lnSpc>
+                <a:spcPct val="150000"/>
+              </a:lnSpc>
+              <a:buFontTx/>
+              <a:buChar char="-"/>
+            </a:pPr>
+            <a:r>
+              <a:rPr lang="en-US" altLang="ko-KR" dirty="0">
+                <a:latin typeface="+mn-ea"/>
+              </a:rPr>
+              <a:t>Classification performance evaluation</a:t>
+            </a:r>
+          </a:p>
+          <a:p>
+            <a:pPr lvl="2">
+              <a:lnSpc>
+                <a:spcPct val="150000"/>
+              </a:lnSpc>
+            </a:pPr>
+            <a:endParaRPr lang="en-US" altLang="ko-KR" dirty="0">
+              <a:latin typeface="+mn-ea"/>
+            </a:endParaRPr>
+          </a:p>
+          <a:p>
+            <a:pPr marL="285750" indent="-285750">
+              <a:lnSpc>
+                <a:spcPct val="150000"/>
+              </a:lnSpc>
+              <a:buFont typeface="Arial" panose="020B0604020202020204" pitchFamily="34" charset="0"/>
+              <a:buChar char="•"/>
+            </a:pPr>
+            <a:r>
+              <a:rPr lang="en-US" altLang="ko-KR" dirty="0">
+                <a:latin typeface="+mj-lt"/>
+              </a:rPr>
+              <a:t>Results and Discussion Subject-Specific EEG classification results</a:t>
+            </a:r>
+          </a:p>
+          <a:p>
+            <a:pPr marL="285750" indent="-285750">
+              <a:lnSpc>
+                <a:spcPct val="150000"/>
+              </a:lnSpc>
+              <a:buFont typeface="Arial" panose="020B0604020202020204" pitchFamily="34" charset="0"/>
+              <a:buChar char="•"/>
+            </a:pPr>
+            <a:r>
+              <a:rPr lang="en-US" altLang="ko-KR" dirty="0">
+                <a:latin typeface="+mj-lt"/>
+              </a:rPr>
+              <a:t>Conclusion  </a:t>
+            </a:r>
+          </a:p>
+          <a:p>
+            <a:pPr>
+              <a:lnSpc>
+                <a:spcPct val="150000"/>
+              </a:lnSpc>
+            </a:pPr>
+            <a:endParaRPr lang="en-US" altLang="ko-KR" dirty="0">
+              <a:latin typeface="+mn-ea"/>
+            </a:endParaRPr>
+          </a:p>
+        </p:txBody>
+      </p:sp>
+      <p:sp>
+        <p:nvSpPr>
+          <p:cNvPr id="18" name="직사각형 17">
+            <a:extLst>
+              <a:ext uri="{FF2B5EF4-FFF2-40B4-BE49-F238E27FC236}">
+                <a16:creationId xmlns:a16="http://schemas.microsoft.com/office/drawing/2014/main" id="{AF9FA73D-229E-47DE-BC64-75D5273AD412}"/>
+              </a:ext>
+            </a:extLst>
+          </p:cNvPr>
+          <p:cNvSpPr/>
+          <p:nvPr/>
+        </p:nvSpPr>
+        <p:spPr>
+          <a:xfrm rot="16200000" flipH="1" flipV="1">
+            <a:off x="6073139" y="739141"/>
+            <a:ext cx="45719" cy="12192000"/>
+          </a:xfrm>
+          <a:prstGeom prst="rect">
+            <a:avLst/>
+          </a:prstGeom>
+          <a:solidFill>
+            <a:srgbClr val="0A4B85"/>
+          </a:solidFill>
+          <a:ln>
+            <a:noFill/>
+          </a:ln>
+        </p:spPr>
+        <p:style>
+          <a:lnRef idx="2">
+            <a:schemeClr val="accent1">
+              <a:shade val="50000"/>
+            </a:schemeClr>
+          </a:lnRef>
+          <a:fillRef idx="1">
+            <a:schemeClr val="accent1"/>
+          </a:fillRef>
+          <a:effectRef idx="0">
+            <a:schemeClr val="accent1"/>
+          </a:effectRef>
+          <a:fontRef idx="minor">
+            <a:schemeClr val="lt1"/>
+          </a:fontRef>
+        </p:style>
+        <p:txBody>
+          <a:bodyPr rtlCol="0" anchor="ctr"/>
+          <a:lstStyle/>
+          <a:p>
+            <a:pPr algn="ctr"/>
+            <a:endParaRPr lang="ko-KR" altLang="en-US" dirty="0">
+              <a:latin typeface="+mj-ea"/>
+              <a:ea typeface="+mj-ea"/>
+            </a:endParaRPr>
+          </a:p>
+        </p:txBody>
+      </p:sp>
+      <p:sp>
+        <p:nvSpPr>
+          <p:cNvPr id="19" name="TextBox 18">
+            <a:extLst>
+              <a:ext uri="{FF2B5EF4-FFF2-40B4-BE49-F238E27FC236}">
+                <a16:creationId xmlns:a16="http://schemas.microsoft.com/office/drawing/2014/main" id="{04A76E6C-980C-4DBB-8FBC-9C0A0D7B6AE3}"/>
+              </a:ext>
+            </a:extLst>
+          </p:cNvPr>
+          <p:cNvSpPr txBox="1"/>
+          <p:nvPr/>
+        </p:nvSpPr>
+        <p:spPr>
+          <a:xfrm>
+            <a:off x="439838" y="460215"/>
+            <a:ext cx="4971713" cy="369332"/>
+          </a:xfrm>
+          <a:prstGeom prst="rect">
+            <a:avLst/>
+          </a:prstGeom>
+          <a:noFill/>
+        </p:spPr>
+        <p:txBody>
+          <a:bodyPr wrap="square" lIns="0" tIns="0" rIns="0" bIns="0" rtlCol="0" anchor="t">
+            <a:spAutoFit/>
+          </a:bodyPr>
+          <a:lstStyle/>
+          <a:p>
+            <a:r>
+              <a:rPr lang="en-US" altLang="ko-KR" sz="2400" dirty="0">
+                <a:latin typeface="+mj-ea"/>
+                <a:ea typeface="+mj-ea"/>
+              </a:rPr>
+              <a:t>Current status </a:t>
+            </a:r>
+          </a:p>
+        </p:txBody>
+      </p:sp>
+      <p:cxnSp>
+        <p:nvCxnSpPr>
+          <p:cNvPr id="8" name="직선 연결선 7">
+            <a:extLst>
+              <a:ext uri="{FF2B5EF4-FFF2-40B4-BE49-F238E27FC236}">
+                <a16:creationId xmlns:a16="http://schemas.microsoft.com/office/drawing/2014/main" id="{AE698102-B5C0-46F3-81B0-072F82B45FA9}"/>
+              </a:ext>
+            </a:extLst>
+          </p:cNvPr>
+          <p:cNvCxnSpPr>
+            <a:cxnSpLocks/>
+          </p:cNvCxnSpPr>
+          <p:nvPr/>
+        </p:nvCxnSpPr>
+        <p:spPr>
+          <a:xfrm>
+            <a:off x="439838" y="850754"/>
+            <a:ext cx="9580462" cy="0"/>
+          </a:xfrm>
+          <a:prstGeom prst="line">
+            <a:avLst/>
+          </a:prstGeom>
+          <a:ln>
+            <a:solidFill>
+              <a:schemeClr val="tx1"/>
+            </a:solidFill>
+          </a:ln>
+        </p:spPr>
+        <p:style>
+          <a:lnRef idx="1">
+            <a:schemeClr val="accent1"/>
+          </a:lnRef>
+          <a:fillRef idx="0">
+            <a:schemeClr val="accent1"/>
+          </a:fillRef>
+          <a:effectRef idx="0">
+            <a:schemeClr val="accent1"/>
+          </a:effectRef>
+          <a:fontRef idx="minor">
+            <a:schemeClr val="tx1"/>
+          </a:fontRef>
+        </p:style>
+      </p:cxnSp>
+      <p:pic>
+        <p:nvPicPr>
+          <p:cNvPr id="10" name="그림 9">
+            <a:extLst>
+              <a:ext uri="{FF2B5EF4-FFF2-40B4-BE49-F238E27FC236}">
+                <a16:creationId xmlns:a16="http://schemas.microsoft.com/office/drawing/2014/main" id="{F21B7903-F5EB-4F9A-BC4E-EAFC85C6B2BD}"/>
+              </a:ext>
+            </a:extLst>
+          </p:cNvPr>
+          <p:cNvPicPr>
+            <a:picLocks noChangeAspect="1"/>
+          </p:cNvPicPr>
+          <p:nvPr/>
+        </p:nvPicPr>
+        <p:blipFill>
+          <a:blip r:embed="rId2">
+            <a:extLst>
+              <a:ext uri="{28A0092B-C50C-407E-A947-70E740481C1C}">
+                <a14:useLocalDpi xmlns:a14="http://schemas.microsoft.com/office/drawing/2010/main" val="0"/>
+              </a:ext>
+            </a:extLst>
+          </a:blip>
+          <a:stretch>
+            <a:fillRect/>
+          </a:stretch>
+        </p:blipFill>
+        <p:spPr>
+          <a:xfrm>
+            <a:off x="10115550" y="597555"/>
+            <a:ext cx="1636612" cy="260854"/>
+          </a:xfrm>
+          <a:prstGeom prst="rect">
+            <a:avLst/>
+          </a:prstGeom>
+        </p:spPr>
+      </p:pic>
+      <p:sp>
+        <p:nvSpPr>
+          <p:cNvPr id="9" name="Slide Number Placeholder 6">
+            <a:extLst>
+              <a:ext uri="{FF2B5EF4-FFF2-40B4-BE49-F238E27FC236}">
+                <a16:creationId xmlns:a16="http://schemas.microsoft.com/office/drawing/2014/main" id="{36F4619A-EBE1-4CC2-9502-0CE5BCEB8730}"/>
+              </a:ext>
+            </a:extLst>
+          </p:cNvPr>
+          <p:cNvSpPr>
+            <a:spLocks noGrp="1"/>
+          </p:cNvSpPr>
+          <p:nvPr>
+            <p:ph type="sldNum" sz="quarter" idx="12"/>
+          </p:nvPr>
+        </p:nvSpPr>
+        <p:spPr>
+          <a:xfrm>
+            <a:off x="9110562" y="6166059"/>
+            <a:ext cx="2743200" cy="365125"/>
+          </a:xfrm>
+        </p:spPr>
+        <p:txBody>
+          <a:bodyPr/>
+          <a:lstStyle/>
+          <a:p>
+            <a:pPr algn="r"/>
+            <a:fld id="{F8C8922F-6993-492D-AE88-5D53D2680DFA}" type="slidenum">
+              <a:rPr lang="ko-KR" altLang="en-US" smtClean="0"/>
+              <a:pPr algn="r"/>
+              <a:t>3</a:t>
+            </a:fld>
+            <a:endParaRPr lang="ko-KR" altLang="en-US" dirty="0"/>
+          </a:p>
+        </p:txBody>
+      </p:sp>
+    </p:spTree>
+    <p:extLst>
+      <p:ext uri="{BB962C8B-B14F-4D97-AF65-F5344CB8AC3E}">
         <p14:creationId xmlns:p14="http://schemas.microsoft.com/office/powerpoint/2010/main" val="778324361"/>
       </p:ext>
     </p:extLst>
@@ -4502,7 +4933,7 @@
 </p:sld>
 </file>
 
-<file path=ppt/slides/slide3.xml><?xml version="1.0" encoding="utf-8"?>
+<file path=ppt/slides/slide4.xml><?xml version="1.0" encoding="utf-8"?>
 <p:sld xmlns:a="http://schemas.openxmlformats.org/drawingml/2006/main" xmlns:r="http://schemas.openxmlformats.org/officeDocument/2006/relationships" xmlns:p="http://schemas.openxmlformats.org/presentationml/2006/main">
   <p:cSld>
     <p:spTree>
@@ -4683,7 +5114,7 @@
             <a:fld id="{F8C8922F-6993-492D-AE88-5D53D2680DFA}" type="slidenum">
               <a:rPr lang="ko-KR" altLang="en-US" smtClean="0"/>
               <a:pPr algn="r"/>
-              <a:t>3</a:t>
+              <a:t>4</a:t>
             </a:fld>
             <a:endParaRPr lang="ko-KR" altLang="en-US" dirty="0"/>
           </a:p>
@@ -4704,7 +5135,7 @@
         <p:spPr>
           <a:xfrm>
             <a:off x="520048" y="1027579"/>
-            <a:ext cx="11453467" cy="3696525"/>
+            <a:ext cx="11453467" cy="4112023"/>
           </a:xfrm>
           <a:prstGeom prst="rect">
             <a:avLst/>
@@ -4770,7 +5201,37 @@
               <a:rPr lang="en-US" altLang="ko-KR" dirty="0">
                 <a:latin typeface="+mn-ea"/>
               </a:rPr>
+              <a:t>Total 45 pre-ictal hours </a:t>
+            </a:r>
+          </a:p>
+          <a:p>
+            <a:pPr marL="1371600" lvl="2" indent="-457200">
+              <a:lnSpc>
+                <a:spcPct val="150000"/>
+              </a:lnSpc>
+              <a:buFontTx/>
+              <a:buChar char="-"/>
+            </a:pPr>
+            <a:r>
+              <a:rPr lang="en-US" altLang="ko-KR" dirty="0">
+                <a:latin typeface="+mn-ea"/>
+              </a:rPr>
               <a:t>Dog 1 &amp; Dog2 =&gt; 17 pre-ictal hours, respectively</a:t>
+            </a:r>
+          </a:p>
+          <a:p>
+            <a:pPr marL="1371600" lvl="2" indent="-457200">
+              <a:lnSpc>
+                <a:spcPct val="150000"/>
+              </a:lnSpc>
+              <a:buFontTx/>
+              <a:buChar char="-"/>
+            </a:pPr>
+            <a:r>
+              <a:rPr lang="en-US" altLang="ko-KR" dirty="0">
+                <a:latin typeface="+mn-ea"/>
+              </a:rPr>
+              <a:t>Dog3 =&gt; 11 pre-ictal hours </a:t>
             </a:r>
           </a:p>
           <a:p>
@@ -4785,22 +5246,7 @@
               <a:rPr lang="en-US" altLang="ko-KR" dirty="0">
                 <a:latin typeface="+mn-ea"/>
               </a:rPr>
-              <a:t>Dog3 =&gt; 11 pre-ictal hours </a:t>
-            </a:r>
-          </a:p>
-          <a:p>
-            <a:pPr marL="914400" lvl="1" indent="-457200">
-              <a:lnSpc>
-                <a:spcPct val="150000"/>
-              </a:lnSpc>
-              <a:buFontTx/>
-              <a:buChar char="-"/>
-            </a:pPr>
-            <a:r>
-              <a:rPr lang="en-US" altLang="ko-KR" dirty="0">
-                <a:latin typeface="+mn-ea"/>
-              </a:rPr>
-              <a:t>Inter ictal = at least 4hours before or after a seizure</a:t>
+              <a:t>Inter-ictal = at least 4hours before or after a seizure</a:t>
             </a:r>
           </a:p>
           <a:p>
@@ -5030,7 +5476,7 @@
 </p:sld>
 </file>
 
-<file path=ppt/slides/slide4.xml><?xml version="1.0" encoding="utf-8"?>
+<file path=ppt/slides/slide5.xml><?xml version="1.0" encoding="utf-8"?>
 <p:sld xmlns:a="http://schemas.openxmlformats.org/drawingml/2006/main" xmlns:r="http://schemas.openxmlformats.org/officeDocument/2006/relationships" xmlns:p="http://schemas.openxmlformats.org/presentationml/2006/main">
   <p:cSld>
     <p:spTree>
@@ -5211,7 +5657,7 @@
             <a:fld id="{F8C8922F-6993-492D-AE88-5D53D2680DFA}" type="slidenum">
               <a:rPr lang="ko-KR" altLang="en-US" smtClean="0"/>
               <a:pPr algn="r"/>
-              <a:t>4</a:t>
+              <a:t>5</a:t>
             </a:fld>
             <a:endParaRPr lang="ko-KR" altLang="en-US" dirty="0"/>
           </a:p>
@@ -5440,7 +5886,2083 @@
 </p:sld>
 </file>
 
-<file path=ppt/slides/slide5.xml><?xml version="1.0" encoding="utf-8"?>
+<file path=ppt/slides/slide6.xml><?xml version="1.0" encoding="utf-8"?>
+<p:sld xmlns:a="http://schemas.openxmlformats.org/drawingml/2006/main" xmlns:r="http://schemas.openxmlformats.org/officeDocument/2006/relationships" xmlns:p="http://schemas.openxmlformats.org/presentationml/2006/main">
+  <p:cSld>
+    <p:spTree>
+      <p:nvGrpSpPr>
+        <p:cNvPr id="1" name=""/>
+        <p:cNvGrpSpPr/>
+        <p:nvPr/>
+      </p:nvGrpSpPr>
+      <p:grpSpPr>
+        <a:xfrm>
+          <a:off x="0" y="0"/>
+          <a:ext cx="0" cy="0"/>
+          <a:chOff x="0" y="0"/>
+          <a:chExt cx="0" cy="0"/>
+        </a:xfrm>
+      </p:grpSpPr>
+      <p:sp>
+        <p:nvSpPr>
+          <p:cNvPr id="18" name="직사각형 17">
+            <a:extLst>
+              <a:ext uri="{FF2B5EF4-FFF2-40B4-BE49-F238E27FC236}">
+                <a16:creationId xmlns:a16="http://schemas.microsoft.com/office/drawing/2014/main" id="{AF9FA73D-229E-47DE-BC64-75D5273AD412}"/>
+              </a:ext>
+            </a:extLst>
+          </p:cNvPr>
+          <p:cNvSpPr/>
+          <p:nvPr/>
+        </p:nvSpPr>
+        <p:spPr>
+          <a:xfrm rot="16200000" flipH="1" flipV="1">
+            <a:off x="6073139" y="739141"/>
+            <a:ext cx="45719" cy="12192000"/>
+          </a:xfrm>
+          <a:prstGeom prst="rect">
+            <a:avLst/>
+          </a:prstGeom>
+          <a:solidFill>
+            <a:srgbClr val="0A4B85"/>
+          </a:solidFill>
+          <a:ln>
+            <a:noFill/>
+          </a:ln>
+        </p:spPr>
+        <p:style>
+          <a:lnRef idx="2">
+            <a:schemeClr val="accent1">
+              <a:shade val="50000"/>
+            </a:schemeClr>
+          </a:lnRef>
+          <a:fillRef idx="1">
+            <a:schemeClr val="accent1"/>
+          </a:fillRef>
+          <a:effectRef idx="0">
+            <a:schemeClr val="accent1"/>
+          </a:effectRef>
+          <a:fontRef idx="minor">
+            <a:schemeClr val="lt1"/>
+          </a:fontRef>
+        </p:style>
+        <p:txBody>
+          <a:bodyPr rtlCol="0" anchor="ctr"/>
+          <a:lstStyle/>
+          <a:p>
+            <a:pPr algn="ctr"/>
+            <a:endParaRPr lang="ko-KR" altLang="en-US" dirty="0">
+              <a:latin typeface="+mj-ea"/>
+              <a:ea typeface="+mj-ea"/>
+            </a:endParaRPr>
+          </a:p>
+        </p:txBody>
+      </p:sp>
+      <p:cxnSp>
+        <p:nvCxnSpPr>
+          <p:cNvPr id="10" name="직선 연결선 9">
+            <a:extLst>
+              <a:ext uri="{FF2B5EF4-FFF2-40B4-BE49-F238E27FC236}">
+                <a16:creationId xmlns:a16="http://schemas.microsoft.com/office/drawing/2014/main" id="{2CF83D32-BC79-416C-A331-E774FB76DD18}"/>
+              </a:ext>
+            </a:extLst>
+          </p:cNvPr>
+          <p:cNvCxnSpPr>
+            <a:cxnSpLocks/>
+          </p:cNvCxnSpPr>
+          <p:nvPr/>
+        </p:nvCxnSpPr>
+        <p:spPr>
+          <a:xfrm>
+            <a:off x="439838" y="850754"/>
+            <a:ext cx="9580462" cy="0"/>
+          </a:xfrm>
+          <a:prstGeom prst="line">
+            <a:avLst/>
+          </a:prstGeom>
+          <a:ln>
+            <a:solidFill>
+              <a:schemeClr val="tx1"/>
+            </a:solidFill>
+          </a:ln>
+        </p:spPr>
+        <p:style>
+          <a:lnRef idx="1">
+            <a:schemeClr val="accent1"/>
+          </a:lnRef>
+          <a:fillRef idx="0">
+            <a:schemeClr val="accent1"/>
+          </a:fillRef>
+          <a:effectRef idx="0">
+            <a:schemeClr val="accent1"/>
+          </a:effectRef>
+          <a:fontRef idx="minor">
+            <a:schemeClr val="tx1"/>
+          </a:fontRef>
+        </p:style>
+      </p:cxnSp>
+      <p:pic>
+        <p:nvPicPr>
+          <p:cNvPr id="11" name="그림 10">
+            <a:extLst>
+              <a:ext uri="{FF2B5EF4-FFF2-40B4-BE49-F238E27FC236}">
+                <a16:creationId xmlns:a16="http://schemas.microsoft.com/office/drawing/2014/main" id="{90A06E0D-A8C9-4919-9CE4-FAAC1C3943EE}"/>
+              </a:ext>
+            </a:extLst>
+          </p:cNvPr>
+          <p:cNvPicPr>
+            <a:picLocks noChangeAspect="1"/>
+          </p:cNvPicPr>
+          <p:nvPr/>
+        </p:nvPicPr>
+        <p:blipFill>
+          <a:blip r:embed="rId3">
+            <a:extLst>
+              <a:ext uri="{28A0092B-C50C-407E-A947-70E740481C1C}">
+                <a14:useLocalDpi xmlns:a14="http://schemas.microsoft.com/office/drawing/2010/main" val="0"/>
+              </a:ext>
+            </a:extLst>
+          </a:blip>
+          <a:stretch>
+            <a:fillRect/>
+          </a:stretch>
+        </p:blipFill>
+        <p:spPr>
+          <a:xfrm>
+            <a:off x="10115550" y="597555"/>
+            <a:ext cx="1636612" cy="260854"/>
+          </a:xfrm>
+          <a:prstGeom prst="rect">
+            <a:avLst/>
+          </a:prstGeom>
+        </p:spPr>
+      </p:pic>
+      <p:sp>
+        <p:nvSpPr>
+          <p:cNvPr id="9" name="Slide Number Placeholder 6">
+            <a:extLst>
+              <a:ext uri="{FF2B5EF4-FFF2-40B4-BE49-F238E27FC236}">
+                <a16:creationId xmlns:a16="http://schemas.microsoft.com/office/drawing/2014/main" id="{38BF160B-B1A4-4BAF-AA87-CBBFF1392947}"/>
+              </a:ext>
+            </a:extLst>
+          </p:cNvPr>
+          <p:cNvSpPr>
+            <a:spLocks noGrp="1"/>
+          </p:cNvSpPr>
+          <p:nvPr>
+            <p:ph type="sldNum" sz="quarter" idx="12"/>
+          </p:nvPr>
+        </p:nvSpPr>
+        <p:spPr>
+          <a:xfrm>
+            <a:off x="9110562" y="6166059"/>
+            <a:ext cx="2743200" cy="365125"/>
+          </a:xfrm>
+        </p:spPr>
+        <p:txBody>
+          <a:bodyPr/>
+          <a:lstStyle/>
+          <a:p>
+            <a:pPr algn="r"/>
+            <a:fld id="{F8C8922F-6993-492D-AE88-5D53D2680DFA}" type="slidenum">
+              <a:rPr lang="ko-KR" altLang="en-US" smtClean="0"/>
+              <a:pPr algn="r"/>
+              <a:t>6</a:t>
+            </a:fld>
+            <a:endParaRPr lang="ko-KR" altLang="en-US" dirty="0"/>
+          </a:p>
+        </p:txBody>
+      </p:sp>
+      <p:sp>
+        <p:nvSpPr>
+          <p:cNvPr id="13" name="TextBox 12">
+            <a:extLst>
+              <a:ext uri="{FF2B5EF4-FFF2-40B4-BE49-F238E27FC236}">
+                <a16:creationId xmlns:a16="http://schemas.microsoft.com/office/drawing/2014/main" id="{5E1249C7-B3C8-426C-9339-BC6001B9F564}"/>
+              </a:ext>
+            </a:extLst>
+          </p:cNvPr>
+          <p:cNvSpPr txBox="1"/>
+          <p:nvPr/>
+        </p:nvSpPr>
+        <p:spPr>
+          <a:xfrm>
+            <a:off x="439838" y="460215"/>
+            <a:ext cx="4971713" cy="369332"/>
+          </a:xfrm>
+          <a:prstGeom prst="rect">
+            <a:avLst/>
+          </a:prstGeom>
+          <a:noFill/>
+        </p:spPr>
+        <p:txBody>
+          <a:bodyPr wrap="square" lIns="0" tIns="0" rIns="0" bIns="0" rtlCol="0" anchor="t">
+            <a:spAutoFit/>
+          </a:bodyPr>
+          <a:lstStyle/>
+          <a:p>
+            <a:r>
+              <a:rPr lang="en-US" altLang="ko-KR" sz="2400" dirty="0">
+                <a:latin typeface="+mj-ea"/>
+                <a:ea typeface="+mj-ea"/>
+              </a:rPr>
+              <a:t>Preprocessing</a:t>
+            </a:r>
+          </a:p>
+        </p:txBody>
+      </p:sp>
+      <p:grpSp>
+        <p:nvGrpSpPr>
+          <p:cNvPr id="65" name="그룹 64">
+            <a:extLst>
+              <a:ext uri="{FF2B5EF4-FFF2-40B4-BE49-F238E27FC236}">
+                <a16:creationId xmlns:a16="http://schemas.microsoft.com/office/drawing/2014/main" id="{9547C91B-28DD-4BB1-8A12-9504D5784AA5}"/>
+              </a:ext>
+            </a:extLst>
+          </p:cNvPr>
+          <p:cNvGrpSpPr/>
+          <p:nvPr/>
+        </p:nvGrpSpPr>
+        <p:grpSpPr>
+          <a:xfrm>
+            <a:off x="1292897" y="1110644"/>
+            <a:ext cx="8993956" cy="3821785"/>
+            <a:chOff x="2130836" y="1151177"/>
+            <a:chExt cx="8993956" cy="3821785"/>
+          </a:xfrm>
+        </p:grpSpPr>
+        <p:grpSp>
+          <p:nvGrpSpPr>
+            <p:cNvPr id="4" name="그룹 3">
+              <a:extLst>
+                <a:ext uri="{FF2B5EF4-FFF2-40B4-BE49-F238E27FC236}">
+                  <a16:creationId xmlns:a16="http://schemas.microsoft.com/office/drawing/2014/main" id="{BB4E4AF9-BC18-4CE8-B191-417EA78F09F9}"/>
+                </a:ext>
+              </a:extLst>
+            </p:cNvPr>
+            <p:cNvGrpSpPr/>
+            <p:nvPr/>
+          </p:nvGrpSpPr>
+          <p:grpSpPr>
+            <a:xfrm>
+              <a:off x="2130836" y="1968265"/>
+              <a:ext cx="1195137" cy="729463"/>
+              <a:chOff x="1002631" y="2248750"/>
+              <a:chExt cx="1195137" cy="729463"/>
+            </a:xfrm>
+          </p:grpSpPr>
+          <p:sp>
+            <p:nvSpPr>
+              <p:cNvPr id="3" name="사각형: 둥근 모서리 2">
+                <a:extLst>
+                  <a:ext uri="{FF2B5EF4-FFF2-40B4-BE49-F238E27FC236}">
+                    <a16:creationId xmlns:a16="http://schemas.microsoft.com/office/drawing/2014/main" id="{06AA75E5-0D43-4C6D-AFFA-13E9D0AAC0A8}"/>
+                  </a:ext>
+                </a:extLst>
+              </p:cNvPr>
+              <p:cNvSpPr/>
+              <p:nvPr/>
+            </p:nvSpPr>
+            <p:spPr>
+              <a:xfrm>
+                <a:off x="1002631" y="2248750"/>
+                <a:ext cx="1195137" cy="729463"/>
+              </a:xfrm>
+              <a:prstGeom prst="roundRect">
+                <a:avLst/>
+              </a:prstGeom>
+              <a:solidFill>
+                <a:schemeClr val="bg1"/>
+              </a:solidFill>
+              <a:ln>
+                <a:solidFill>
+                  <a:schemeClr val="tx1"/>
+                </a:solidFill>
+              </a:ln>
+            </p:spPr>
+            <p:style>
+              <a:lnRef idx="2">
+                <a:schemeClr val="accent1">
+                  <a:shade val="50000"/>
+                </a:schemeClr>
+              </a:lnRef>
+              <a:fillRef idx="1">
+                <a:schemeClr val="accent1"/>
+              </a:fillRef>
+              <a:effectRef idx="0">
+                <a:schemeClr val="accent1"/>
+              </a:effectRef>
+              <a:fontRef idx="minor">
+                <a:schemeClr val="lt1"/>
+              </a:fontRef>
+            </p:style>
+            <p:txBody>
+              <a:bodyPr rtlCol="0" anchor="t"/>
+              <a:lstStyle/>
+              <a:p>
+                <a:pPr algn="ctr"/>
+                <a:r>
+                  <a:rPr lang="en-US" altLang="ko-KR" sz="1000" b="1" dirty="0">
+                    <a:solidFill>
+                      <a:schemeClr val="tx1"/>
+                    </a:solidFill>
+                  </a:rPr>
+                  <a:t>Raw </a:t>
+                </a:r>
+                <a:r>
+                  <a:rPr lang="en-US" altLang="ko-KR" sz="1000" b="1" dirty="0" err="1">
+                    <a:solidFill>
+                      <a:schemeClr val="tx1"/>
+                    </a:solidFill>
+                  </a:rPr>
+                  <a:t>iEEG</a:t>
+                </a:r>
+                <a:endParaRPr lang="ko-KR" altLang="en-US" sz="1000" b="1" dirty="0">
+                  <a:solidFill>
+                    <a:schemeClr val="tx1"/>
+                  </a:solidFill>
+                </a:endParaRPr>
+              </a:p>
+            </p:txBody>
+          </p:sp>
+          <p:sp>
+            <p:nvSpPr>
+              <p:cNvPr id="2" name="직사각형 1">
+                <a:extLst>
+                  <a:ext uri="{FF2B5EF4-FFF2-40B4-BE49-F238E27FC236}">
+                    <a16:creationId xmlns:a16="http://schemas.microsoft.com/office/drawing/2014/main" id="{C203D5CD-C089-4EA1-9435-98A77FC65298}"/>
+                  </a:ext>
+                </a:extLst>
+              </p:cNvPr>
+              <p:cNvSpPr/>
+              <p:nvPr/>
+            </p:nvSpPr>
+            <p:spPr>
+              <a:xfrm>
+                <a:off x="1130968" y="2538036"/>
+                <a:ext cx="930442" cy="368963"/>
+              </a:xfrm>
+              <a:prstGeom prst="rect">
+                <a:avLst/>
+              </a:prstGeom>
+              <a:solidFill>
+                <a:schemeClr val="accent3">
+                  <a:lumMod val="40000"/>
+                  <a:lumOff val="60000"/>
+                </a:schemeClr>
+              </a:solidFill>
+              <a:ln>
+                <a:noFill/>
+              </a:ln>
+            </p:spPr>
+            <p:style>
+              <a:lnRef idx="2">
+                <a:schemeClr val="accent1">
+                  <a:shade val="50000"/>
+                </a:schemeClr>
+              </a:lnRef>
+              <a:fillRef idx="1">
+                <a:schemeClr val="accent1"/>
+              </a:fillRef>
+              <a:effectRef idx="0">
+                <a:schemeClr val="accent1"/>
+              </a:effectRef>
+              <a:fontRef idx="minor">
+                <a:schemeClr val="lt1"/>
+              </a:fontRef>
+            </p:style>
+            <p:txBody>
+              <a:bodyPr rtlCol="0" anchor="ctr"/>
+              <a:lstStyle/>
+              <a:p>
+                <a:pPr algn="ctr"/>
+                <a:r>
+                  <a:rPr lang="en-US" altLang="ko-KR" sz="1050" dirty="0">
+                    <a:solidFill>
+                      <a:schemeClr val="tx1"/>
+                    </a:solidFill>
+                  </a:rPr>
+                  <a:t>16 channels 40Hz</a:t>
+                </a:r>
+                <a:endParaRPr lang="ko-KR" altLang="en-US" sz="1050" dirty="0">
+                  <a:solidFill>
+                    <a:schemeClr val="tx1"/>
+                  </a:solidFill>
+                </a:endParaRPr>
+              </a:p>
+            </p:txBody>
+          </p:sp>
+        </p:grpSp>
+        <p:cxnSp>
+          <p:nvCxnSpPr>
+            <p:cNvPr id="7" name="직선 화살표 연결선 6">
+              <a:extLst>
+                <a:ext uri="{FF2B5EF4-FFF2-40B4-BE49-F238E27FC236}">
+                  <a16:creationId xmlns:a16="http://schemas.microsoft.com/office/drawing/2014/main" id="{8CB12DB1-63D7-489A-B1CF-B37BC2FF2B9C}"/>
+                </a:ext>
+              </a:extLst>
+            </p:cNvPr>
+            <p:cNvCxnSpPr>
+              <a:cxnSpLocks/>
+            </p:cNvCxnSpPr>
+            <p:nvPr/>
+          </p:nvCxnSpPr>
+          <p:spPr>
+            <a:xfrm>
+              <a:off x="3389416" y="2368261"/>
+              <a:ext cx="521737" cy="0"/>
+            </a:xfrm>
+            <a:prstGeom prst="straightConnector1">
+              <a:avLst/>
+            </a:prstGeom>
+            <a:ln w="22225">
+              <a:solidFill>
+                <a:schemeClr val="tx1"/>
+              </a:solidFill>
+              <a:tailEnd type="triangle"/>
+            </a:ln>
+          </p:spPr>
+          <p:style>
+            <a:lnRef idx="1">
+              <a:schemeClr val="accent1"/>
+            </a:lnRef>
+            <a:fillRef idx="0">
+              <a:schemeClr val="accent1"/>
+            </a:fillRef>
+            <a:effectRef idx="0">
+              <a:schemeClr val="accent1"/>
+            </a:effectRef>
+            <a:fontRef idx="minor">
+              <a:schemeClr val="tx1"/>
+            </a:fontRef>
+          </p:style>
+        </p:cxnSp>
+        <p:grpSp>
+          <p:nvGrpSpPr>
+            <p:cNvPr id="56" name="그룹 55">
+              <a:extLst>
+                <a:ext uri="{FF2B5EF4-FFF2-40B4-BE49-F238E27FC236}">
+                  <a16:creationId xmlns:a16="http://schemas.microsoft.com/office/drawing/2014/main" id="{00FB22E2-70FE-42BC-89FE-C22C7BECED8B}"/>
+                </a:ext>
+              </a:extLst>
+            </p:cNvPr>
+            <p:cNvGrpSpPr/>
+            <p:nvPr/>
+          </p:nvGrpSpPr>
+          <p:grpSpPr>
+            <a:xfrm>
+              <a:off x="4000661" y="1151177"/>
+              <a:ext cx="1658797" cy="2522449"/>
+              <a:chOff x="3007894" y="1034775"/>
+              <a:chExt cx="1363579" cy="2118694"/>
+            </a:xfrm>
+          </p:grpSpPr>
+          <p:grpSp>
+            <p:nvGrpSpPr>
+              <p:cNvPr id="5" name="그룹 4">
+                <a:extLst>
+                  <a:ext uri="{FF2B5EF4-FFF2-40B4-BE49-F238E27FC236}">
+                    <a16:creationId xmlns:a16="http://schemas.microsoft.com/office/drawing/2014/main" id="{D872F6CF-F249-45A6-BF8A-E15521EE1725}"/>
+                  </a:ext>
+                </a:extLst>
+              </p:cNvPr>
+              <p:cNvGrpSpPr/>
+              <p:nvPr/>
+            </p:nvGrpSpPr>
+            <p:grpSpPr>
+              <a:xfrm>
+                <a:off x="3007894" y="1034775"/>
+                <a:ext cx="1363579" cy="2118694"/>
+                <a:chOff x="3080084" y="2220049"/>
+                <a:chExt cx="1363579" cy="2164418"/>
+              </a:xfrm>
+            </p:grpSpPr>
+            <p:sp>
+              <p:nvSpPr>
+                <p:cNvPr id="15" name="사각형: 둥근 모서리 14">
+                  <a:extLst>
+                    <a:ext uri="{FF2B5EF4-FFF2-40B4-BE49-F238E27FC236}">
+                      <a16:creationId xmlns:a16="http://schemas.microsoft.com/office/drawing/2014/main" id="{870391B9-DCA4-40CA-B500-9DD15C533B10}"/>
+                    </a:ext>
+                  </a:extLst>
+                </p:cNvPr>
+                <p:cNvSpPr/>
+                <p:nvPr/>
+              </p:nvSpPr>
+              <p:spPr>
+                <a:xfrm>
+                  <a:off x="3080084" y="2220049"/>
+                  <a:ext cx="1363579" cy="2164418"/>
+                </a:xfrm>
+                <a:prstGeom prst="roundRect">
+                  <a:avLst/>
+                </a:prstGeom>
+                <a:solidFill>
+                  <a:schemeClr val="bg1"/>
+                </a:solidFill>
+                <a:ln>
+                  <a:solidFill>
+                    <a:schemeClr val="tx1"/>
+                  </a:solidFill>
+                </a:ln>
+              </p:spPr>
+              <p:style>
+                <a:lnRef idx="2">
+                  <a:schemeClr val="accent1">
+                    <a:shade val="50000"/>
+                  </a:schemeClr>
+                </a:lnRef>
+                <a:fillRef idx="1">
+                  <a:schemeClr val="accent1"/>
+                </a:fillRef>
+                <a:effectRef idx="0">
+                  <a:schemeClr val="accent1"/>
+                </a:effectRef>
+                <a:fontRef idx="minor">
+                  <a:schemeClr val="lt1"/>
+                </a:fontRef>
+              </p:style>
+              <p:txBody>
+                <a:bodyPr rtlCol="0" anchor="t"/>
+                <a:lstStyle/>
+                <a:p>
+                  <a:pPr algn="ctr"/>
+                  <a:r>
+                    <a:rPr lang="en-US" altLang="ko-KR" sz="1000" b="1" dirty="0">
+                      <a:solidFill>
+                        <a:schemeClr val="tx1"/>
+                      </a:solidFill>
+                    </a:rPr>
+                    <a:t>Preprocessing</a:t>
+                  </a:r>
+                  <a:endParaRPr lang="ko-KR" altLang="en-US" sz="1000" b="1" dirty="0">
+                    <a:solidFill>
+                      <a:schemeClr val="tx1"/>
+                    </a:solidFill>
+                  </a:endParaRPr>
+                </a:p>
+              </p:txBody>
+            </p:sp>
+            <p:sp>
+              <p:nvSpPr>
+                <p:cNvPr id="16" name="직사각형 15">
+                  <a:extLst>
+                    <a:ext uri="{FF2B5EF4-FFF2-40B4-BE49-F238E27FC236}">
+                      <a16:creationId xmlns:a16="http://schemas.microsoft.com/office/drawing/2014/main" id="{4B0D2000-448E-43FF-8BC7-6449D517EE96}"/>
+                    </a:ext>
+                  </a:extLst>
+                </p:cNvPr>
+                <p:cNvSpPr/>
+                <p:nvPr/>
+              </p:nvSpPr>
+              <p:spPr>
+                <a:xfrm>
+                  <a:off x="3240505" y="2581525"/>
+                  <a:ext cx="1034715" cy="538664"/>
+                </a:xfrm>
+                <a:prstGeom prst="rect">
+                  <a:avLst/>
+                </a:prstGeom>
+                <a:solidFill>
+                  <a:schemeClr val="accent3">
+                    <a:lumMod val="40000"/>
+                    <a:lumOff val="60000"/>
+                  </a:schemeClr>
+                </a:solidFill>
+                <a:ln>
+                  <a:noFill/>
+                </a:ln>
+              </p:spPr>
+              <p:style>
+                <a:lnRef idx="2">
+                  <a:schemeClr val="accent1">
+                    <a:shade val="50000"/>
+                  </a:schemeClr>
+                </a:lnRef>
+                <a:fillRef idx="1">
+                  <a:schemeClr val="accent1"/>
+                </a:fillRef>
+                <a:effectRef idx="0">
+                  <a:schemeClr val="accent1"/>
+                </a:effectRef>
+                <a:fontRef idx="minor">
+                  <a:schemeClr val="lt1"/>
+                </a:fontRef>
+              </p:style>
+              <p:txBody>
+                <a:bodyPr rtlCol="0" anchor="ctr"/>
+                <a:lstStyle/>
+                <a:p>
+                  <a:pPr algn="ctr"/>
+                  <a:r>
+                    <a:rPr lang="en-US" altLang="ko-KR" sz="900" dirty="0">
+                      <a:solidFill>
+                        <a:schemeClr val="tx1"/>
+                      </a:solidFill>
+                    </a:rPr>
+                    <a:t>Band-Pass(0.5-180Hz) + </a:t>
+                  </a:r>
+                </a:p>
+                <a:p>
+                  <a:pPr algn="ctr"/>
+                  <a:r>
+                    <a:rPr lang="en-US" altLang="ko-KR" sz="900" dirty="0">
+                      <a:solidFill>
+                        <a:schemeClr val="tx1"/>
+                      </a:solidFill>
+                    </a:rPr>
+                    <a:t>Notch Filtering</a:t>
+                  </a:r>
+                </a:p>
+                <a:p>
+                  <a:pPr algn="ctr"/>
+                  <a:r>
+                    <a:rPr lang="en-US" altLang="ko-KR" sz="900" dirty="0">
+                      <a:solidFill>
+                        <a:schemeClr val="tx1"/>
+                      </a:solidFill>
+                    </a:rPr>
+                    <a:t>(60Hz)</a:t>
+                  </a:r>
+                  <a:endParaRPr lang="ko-KR" altLang="en-US" sz="900" dirty="0">
+                    <a:solidFill>
+                      <a:schemeClr val="tx1"/>
+                    </a:solidFill>
+                  </a:endParaRPr>
+                </a:p>
+              </p:txBody>
+            </p:sp>
+            <p:sp>
+              <p:nvSpPr>
+                <p:cNvPr id="17" name="직사각형 16">
+                  <a:extLst>
+                    <a:ext uri="{FF2B5EF4-FFF2-40B4-BE49-F238E27FC236}">
+                      <a16:creationId xmlns:a16="http://schemas.microsoft.com/office/drawing/2014/main" id="{670A2F96-24F5-4863-B914-B99C3EA5DC94}"/>
+                    </a:ext>
+                  </a:extLst>
+                </p:cNvPr>
+                <p:cNvSpPr/>
+                <p:nvPr/>
+              </p:nvSpPr>
+              <p:spPr>
+                <a:xfrm>
+                  <a:off x="3254912" y="3262620"/>
+                  <a:ext cx="1034715" cy="353870"/>
+                </a:xfrm>
+                <a:prstGeom prst="rect">
+                  <a:avLst/>
+                </a:prstGeom>
+                <a:solidFill>
+                  <a:schemeClr val="accent3">
+                    <a:lumMod val="40000"/>
+                    <a:lumOff val="60000"/>
+                  </a:schemeClr>
+                </a:solidFill>
+                <a:ln>
+                  <a:noFill/>
+                </a:ln>
+              </p:spPr>
+              <p:style>
+                <a:lnRef idx="2">
+                  <a:schemeClr val="accent1">
+                    <a:shade val="50000"/>
+                  </a:schemeClr>
+                </a:lnRef>
+                <a:fillRef idx="1">
+                  <a:schemeClr val="accent1"/>
+                </a:fillRef>
+                <a:effectRef idx="0">
+                  <a:schemeClr val="accent1"/>
+                </a:effectRef>
+                <a:fontRef idx="minor">
+                  <a:schemeClr val="lt1"/>
+                </a:fontRef>
+              </p:style>
+              <p:txBody>
+                <a:bodyPr rtlCol="0" anchor="ctr"/>
+                <a:lstStyle/>
+                <a:p>
+                  <a:pPr algn="ctr"/>
+                  <a:r>
+                    <a:rPr lang="en-US" altLang="ko-KR" sz="900" dirty="0">
+                      <a:solidFill>
+                        <a:schemeClr val="tx1"/>
+                      </a:solidFill>
+                    </a:rPr>
+                    <a:t>Segmentation</a:t>
+                  </a:r>
+                  <a:endParaRPr lang="ko-KR" altLang="en-US" sz="900" dirty="0">
+                    <a:solidFill>
+                      <a:schemeClr val="tx1"/>
+                    </a:solidFill>
+                  </a:endParaRPr>
+                </a:p>
+              </p:txBody>
+            </p:sp>
+            <p:sp>
+              <p:nvSpPr>
+                <p:cNvPr id="19" name="직사각형 18">
+                  <a:extLst>
+                    <a:ext uri="{FF2B5EF4-FFF2-40B4-BE49-F238E27FC236}">
+                      <a16:creationId xmlns:a16="http://schemas.microsoft.com/office/drawing/2014/main" id="{23B05DF2-64D6-4BD6-9FE4-8EB05CF71BEA}"/>
+                    </a:ext>
+                  </a:extLst>
+                </p:cNvPr>
+                <p:cNvSpPr/>
+                <p:nvPr/>
+              </p:nvSpPr>
+              <p:spPr>
+                <a:xfrm>
+                  <a:off x="3240504" y="3747478"/>
+                  <a:ext cx="1034715" cy="519722"/>
+                </a:xfrm>
+                <a:prstGeom prst="rect">
+                  <a:avLst/>
+                </a:prstGeom>
+                <a:solidFill>
+                  <a:schemeClr val="accent3">
+                    <a:lumMod val="40000"/>
+                    <a:lumOff val="60000"/>
+                  </a:schemeClr>
+                </a:solidFill>
+                <a:ln>
+                  <a:noFill/>
+                </a:ln>
+              </p:spPr>
+              <p:style>
+                <a:lnRef idx="2">
+                  <a:schemeClr val="accent1">
+                    <a:shade val="50000"/>
+                  </a:schemeClr>
+                </a:lnRef>
+                <a:fillRef idx="1">
+                  <a:schemeClr val="accent1"/>
+                </a:fillRef>
+                <a:effectRef idx="0">
+                  <a:schemeClr val="accent1"/>
+                </a:effectRef>
+                <a:fontRef idx="minor">
+                  <a:schemeClr val="lt1"/>
+                </a:fontRef>
+              </p:style>
+              <p:txBody>
+                <a:bodyPr rtlCol="0" anchor="ctr"/>
+                <a:lstStyle/>
+                <a:p>
+                  <a:pPr algn="ctr"/>
+                  <a:r>
+                    <a:rPr lang="en-US" altLang="ko-KR" sz="900" dirty="0">
+                      <a:solidFill>
+                        <a:schemeClr val="tx1"/>
+                      </a:solidFill>
+                    </a:rPr>
+                    <a:t>Data</a:t>
+                  </a:r>
+                </a:p>
+                <a:p>
+                  <a:pPr algn="ctr"/>
+                  <a:r>
+                    <a:rPr lang="en-US" altLang="ko-KR" sz="900" dirty="0">
+                      <a:solidFill>
+                        <a:schemeClr val="tx1"/>
+                      </a:solidFill>
+                    </a:rPr>
+                    <a:t>Standardization</a:t>
+                  </a:r>
+                  <a:endParaRPr lang="ko-KR" altLang="en-US" sz="900" dirty="0">
+                    <a:solidFill>
+                      <a:schemeClr val="tx1"/>
+                    </a:solidFill>
+                  </a:endParaRPr>
+                </a:p>
+              </p:txBody>
+            </p:sp>
+          </p:grpSp>
+          <p:cxnSp>
+            <p:nvCxnSpPr>
+              <p:cNvPr id="31" name="직선 화살표 연결선 30">
+                <a:extLst>
+                  <a:ext uri="{FF2B5EF4-FFF2-40B4-BE49-F238E27FC236}">
+                    <a16:creationId xmlns:a16="http://schemas.microsoft.com/office/drawing/2014/main" id="{3D7DCD50-D789-4930-B2F7-10C6DE941A58}"/>
+                  </a:ext>
+                </a:extLst>
+              </p:cNvPr>
+              <p:cNvCxnSpPr>
+                <a:cxnSpLocks/>
+              </p:cNvCxnSpPr>
+              <p:nvPr/>
+            </p:nvCxnSpPr>
+            <p:spPr>
+              <a:xfrm>
+                <a:off x="3685671" y="1952671"/>
+                <a:ext cx="0" cy="97746"/>
+              </a:xfrm>
+              <a:prstGeom prst="straightConnector1">
+                <a:avLst/>
+              </a:prstGeom>
+              <a:ln w="15875">
+                <a:solidFill>
+                  <a:schemeClr val="tx1"/>
+                </a:solidFill>
+                <a:tailEnd type="triangle"/>
+              </a:ln>
+            </p:spPr>
+            <p:style>
+              <a:lnRef idx="1">
+                <a:schemeClr val="accent1"/>
+              </a:lnRef>
+              <a:fillRef idx="0">
+                <a:schemeClr val="accent1"/>
+              </a:fillRef>
+              <a:effectRef idx="0">
+                <a:schemeClr val="accent1"/>
+              </a:effectRef>
+              <a:fontRef idx="minor">
+                <a:schemeClr val="tx1"/>
+              </a:fontRef>
+            </p:style>
+          </p:cxnSp>
+          <p:cxnSp>
+            <p:nvCxnSpPr>
+              <p:cNvPr id="36" name="직선 화살표 연결선 35">
+                <a:extLst>
+                  <a:ext uri="{FF2B5EF4-FFF2-40B4-BE49-F238E27FC236}">
+                    <a16:creationId xmlns:a16="http://schemas.microsoft.com/office/drawing/2014/main" id="{0EECCCA8-D05C-4240-A10E-64C348D606D6}"/>
+                  </a:ext>
+                </a:extLst>
+              </p:cNvPr>
+              <p:cNvCxnSpPr>
+                <a:cxnSpLocks/>
+              </p:cNvCxnSpPr>
+              <p:nvPr/>
+            </p:nvCxnSpPr>
+            <p:spPr>
+              <a:xfrm>
+                <a:off x="3696027" y="2460176"/>
+                <a:ext cx="0" cy="97746"/>
+              </a:xfrm>
+              <a:prstGeom prst="straightConnector1">
+                <a:avLst/>
+              </a:prstGeom>
+              <a:ln w="15875">
+                <a:solidFill>
+                  <a:schemeClr val="tx1"/>
+                </a:solidFill>
+                <a:tailEnd type="triangle"/>
+              </a:ln>
+            </p:spPr>
+            <p:style>
+              <a:lnRef idx="1">
+                <a:schemeClr val="accent1"/>
+              </a:lnRef>
+              <a:fillRef idx="0">
+                <a:schemeClr val="accent1"/>
+              </a:fillRef>
+              <a:effectRef idx="0">
+                <a:schemeClr val="accent1"/>
+              </a:effectRef>
+              <a:fontRef idx="minor">
+                <a:schemeClr val="tx1"/>
+              </a:fontRef>
+            </p:style>
+          </p:cxnSp>
+        </p:grpSp>
+        <p:grpSp>
+          <p:nvGrpSpPr>
+            <p:cNvPr id="58" name="그룹 57">
+              <a:extLst>
+                <a:ext uri="{FF2B5EF4-FFF2-40B4-BE49-F238E27FC236}">
+                  <a16:creationId xmlns:a16="http://schemas.microsoft.com/office/drawing/2014/main" id="{3E4E6C07-5F41-4BDB-BF7F-0D8657CFBECE}"/>
+                </a:ext>
+              </a:extLst>
+            </p:cNvPr>
+            <p:cNvGrpSpPr/>
+            <p:nvPr/>
+          </p:nvGrpSpPr>
+          <p:grpSpPr>
+            <a:xfrm>
+              <a:off x="6324724" y="1151178"/>
+              <a:ext cx="1658797" cy="2522448"/>
+              <a:chOff x="5587346" y="1034775"/>
+              <a:chExt cx="1363579" cy="2164418"/>
+            </a:xfrm>
+          </p:grpSpPr>
+          <p:grpSp>
+            <p:nvGrpSpPr>
+              <p:cNvPr id="42" name="그룹 41">
+                <a:extLst>
+                  <a:ext uri="{FF2B5EF4-FFF2-40B4-BE49-F238E27FC236}">
+                    <a16:creationId xmlns:a16="http://schemas.microsoft.com/office/drawing/2014/main" id="{9A239005-6741-4501-8930-1C0606662061}"/>
+                  </a:ext>
+                </a:extLst>
+              </p:cNvPr>
+              <p:cNvGrpSpPr/>
+              <p:nvPr/>
+            </p:nvGrpSpPr>
+            <p:grpSpPr>
+              <a:xfrm>
+                <a:off x="5587346" y="1034775"/>
+                <a:ext cx="1363579" cy="2164418"/>
+                <a:chOff x="5587346" y="1034775"/>
+                <a:chExt cx="1363579" cy="2164418"/>
+              </a:xfrm>
+            </p:grpSpPr>
+            <p:sp>
+              <p:nvSpPr>
+                <p:cNvPr id="26" name="사각형: 둥근 모서리 25">
+                  <a:extLst>
+                    <a:ext uri="{FF2B5EF4-FFF2-40B4-BE49-F238E27FC236}">
+                      <a16:creationId xmlns:a16="http://schemas.microsoft.com/office/drawing/2014/main" id="{C2670E69-F2B7-4895-85DA-3C63D41D14F4}"/>
+                    </a:ext>
+                  </a:extLst>
+                </p:cNvPr>
+                <p:cNvSpPr/>
+                <p:nvPr/>
+              </p:nvSpPr>
+              <p:spPr>
+                <a:xfrm>
+                  <a:off x="5587346" y="1034775"/>
+                  <a:ext cx="1363579" cy="2164418"/>
+                </a:xfrm>
+                <a:prstGeom prst="roundRect">
+                  <a:avLst/>
+                </a:prstGeom>
+                <a:solidFill>
+                  <a:schemeClr val="bg1"/>
+                </a:solidFill>
+                <a:ln>
+                  <a:solidFill>
+                    <a:schemeClr val="tx1"/>
+                  </a:solidFill>
+                </a:ln>
+              </p:spPr>
+              <p:style>
+                <a:lnRef idx="2">
+                  <a:schemeClr val="accent1">
+                    <a:shade val="50000"/>
+                  </a:schemeClr>
+                </a:lnRef>
+                <a:fillRef idx="1">
+                  <a:schemeClr val="accent1"/>
+                </a:fillRef>
+                <a:effectRef idx="0">
+                  <a:schemeClr val="accent1"/>
+                </a:effectRef>
+                <a:fontRef idx="minor">
+                  <a:schemeClr val="lt1"/>
+                </a:fontRef>
+              </p:style>
+              <p:txBody>
+                <a:bodyPr rtlCol="0" anchor="t"/>
+                <a:lstStyle/>
+                <a:p>
+                  <a:pPr algn="ctr"/>
+                  <a:r>
+                    <a:rPr lang="en-US" altLang="ko-KR" sz="1000" b="1" dirty="0" err="1">
+                      <a:solidFill>
+                        <a:schemeClr val="tx1"/>
+                      </a:solidFill>
+                    </a:rPr>
+                    <a:t>Bispectrum</a:t>
+                  </a:r>
+                  <a:r>
+                    <a:rPr lang="en-US" altLang="ko-KR" sz="1000" b="1" dirty="0">
+                      <a:solidFill>
+                        <a:schemeClr val="tx1"/>
+                      </a:solidFill>
+                    </a:rPr>
+                    <a:t> Analysis</a:t>
+                  </a:r>
+                  <a:endParaRPr lang="ko-KR" altLang="en-US" sz="1000" b="1" dirty="0">
+                    <a:solidFill>
+                      <a:schemeClr val="tx1"/>
+                    </a:solidFill>
+                  </a:endParaRPr>
+                </a:p>
+              </p:txBody>
+            </p:sp>
+            <p:sp>
+              <p:nvSpPr>
+                <p:cNvPr id="28" name="직사각형 27">
+                  <a:extLst>
+                    <a:ext uri="{FF2B5EF4-FFF2-40B4-BE49-F238E27FC236}">
+                      <a16:creationId xmlns:a16="http://schemas.microsoft.com/office/drawing/2014/main" id="{D7D7CED9-22F6-402E-926E-C823A0EFED3A}"/>
+                    </a:ext>
+                  </a:extLst>
+                </p:cNvPr>
+                <p:cNvSpPr/>
+                <p:nvPr/>
+              </p:nvSpPr>
+              <p:spPr>
+                <a:xfrm>
+                  <a:off x="5747765" y="1575318"/>
+                  <a:ext cx="1034715" cy="511054"/>
+                </a:xfrm>
+                <a:prstGeom prst="rect">
+                  <a:avLst/>
+                </a:prstGeom>
+                <a:solidFill>
+                  <a:schemeClr val="accent3">
+                    <a:lumMod val="40000"/>
+                    <a:lumOff val="60000"/>
+                  </a:schemeClr>
+                </a:solidFill>
+                <a:ln>
+                  <a:noFill/>
+                </a:ln>
+              </p:spPr>
+              <p:style>
+                <a:lnRef idx="2">
+                  <a:schemeClr val="accent1">
+                    <a:shade val="50000"/>
+                  </a:schemeClr>
+                </a:lnRef>
+                <a:fillRef idx="1">
+                  <a:schemeClr val="accent1"/>
+                </a:fillRef>
+                <a:effectRef idx="0">
+                  <a:schemeClr val="accent1"/>
+                </a:effectRef>
+                <a:fontRef idx="minor">
+                  <a:schemeClr val="lt1"/>
+                </a:fontRef>
+              </p:style>
+              <p:txBody>
+                <a:bodyPr rtlCol="0" anchor="ctr"/>
+                <a:lstStyle/>
+                <a:p>
+                  <a:pPr algn="ctr"/>
+                  <a:r>
+                    <a:rPr lang="en-US" altLang="ko-KR" sz="900" dirty="0">
+                      <a:solidFill>
+                        <a:schemeClr val="tx1"/>
+                      </a:solidFill>
+                    </a:rPr>
+                    <a:t>Spectral Domain Transformation</a:t>
+                  </a:r>
+                  <a:endParaRPr lang="ko-KR" altLang="en-US" sz="900" dirty="0">
+                    <a:solidFill>
+                      <a:schemeClr val="tx1"/>
+                    </a:solidFill>
+                  </a:endParaRPr>
+                </a:p>
+              </p:txBody>
+            </p:sp>
+            <p:sp>
+              <p:nvSpPr>
+                <p:cNvPr id="29" name="직사각형 28">
+                  <a:extLst>
+                    <a:ext uri="{FF2B5EF4-FFF2-40B4-BE49-F238E27FC236}">
+                      <a16:creationId xmlns:a16="http://schemas.microsoft.com/office/drawing/2014/main" id="{841DA788-1585-4956-91F0-5E624F32E8D2}"/>
+                    </a:ext>
+                  </a:extLst>
+                </p:cNvPr>
+                <p:cNvSpPr/>
+                <p:nvPr/>
+              </p:nvSpPr>
+              <p:spPr>
+                <a:xfrm>
+                  <a:off x="5747765" y="2410502"/>
+                  <a:ext cx="1034715" cy="519722"/>
+                </a:xfrm>
+                <a:prstGeom prst="rect">
+                  <a:avLst/>
+                </a:prstGeom>
+                <a:solidFill>
+                  <a:schemeClr val="accent3">
+                    <a:lumMod val="40000"/>
+                    <a:lumOff val="60000"/>
+                  </a:schemeClr>
+                </a:solidFill>
+                <a:ln>
+                  <a:noFill/>
+                </a:ln>
+              </p:spPr>
+              <p:style>
+                <a:lnRef idx="2">
+                  <a:schemeClr val="accent1">
+                    <a:shade val="50000"/>
+                  </a:schemeClr>
+                </a:lnRef>
+                <a:fillRef idx="1">
+                  <a:schemeClr val="accent1"/>
+                </a:fillRef>
+                <a:effectRef idx="0">
+                  <a:schemeClr val="accent1"/>
+                </a:effectRef>
+                <a:fontRef idx="minor">
+                  <a:schemeClr val="lt1"/>
+                </a:fontRef>
+              </p:style>
+              <p:txBody>
+                <a:bodyPr rtlCol="0" anchor="ctr"/>
+                <a:lstStyle/>
+                <a:p>
+                  <a:pPr algn="ctr"/>
+                  <a:r>
+                    <a:rPr lang="en-US" altLang="ko-KR" sz="900" dirty="0">
+                      <a:solidFill>
+                        <a:schemeClr val="tx1"/>
+                      </a:solidFill>
+                    </a:rPr>
+                    <a:t>2D </a:t>
+                  </a:r>
+                  <a:r>
+                    <a:rPr lang="en-US" altLang="ko-KR" sz="900" dirty="0" err="1">
+                      <a:solidFill>
+                        <a:schemeClr val="tx1"/>
+                      </a:solidFill>
+                    </a:rPr>
+                    <a:t>Bispectrum</a:t>
+                  </a:r>
+                  <a:endParaRPr lang="en-US" altLang="ko-KR" sz="900" dirty="0">
+                    <a:solidFill>
+                      <a:schemeClr val="tx1"/>
+                    </a:solidFill>
+                  </a:endParaRPr>
+                </a:p>
+                <a:p>
+                  <a:pPr algn="ctr"/>
+                  <a:r>
+                    <a:rPr lang="en-US" altLang="ko-KR" sz="900" dirty="0">
+                      <a:solidFill>
+                        <a:schemeClr val="tx1"/>
+                      </a:solidFill>
+                    </a:rPr>
+                    <a:t>Plot</a:t>
+                  </a:r>
+                  <a:endParaRPr lang="ko-KR" altLang="en-US" sz="900" dirty="0">
+                    <a:solidFill>
+                      <a:schemeClr val="tx1"/>
+                    </a:solidFill>
+                  </a:endParaRPr>
+                </a:p>
+              </p:txBody>
+            </p:sp>
+          </p:grpSp>
+          <p:cxnSp>
+            <p:nvCxnSpPr>
+              <p:cNvPr id="37" name="직선 화살표 연결선 36">
+                <a:extLst>
+                  <a:ext uri="{FF2B5EF4-FFF2-40B4-BE49-F238E27FC236}">
+                    <a16:creationId xmlns:a16="http://schemas.microsoft.com/office/drawing/2014/main" id="{8CBA3514-3C71-4EDF-BDB3-574F3DD3C140}"/>
+                  </a:ext>
+                </a:extLst>
+              </p:cNvPr>
+              <p:cNvCxnSpPr>
+                <a:cxnSpLocks/>
+              </p:cNvCxnSpPr>
+              <p:nvPr/>
+            </p:nvCxnSpPr>
+            <p:spPr>
+              <a:xfrm>
+                <a:off x="6269518" y="2116984"/>
+                <a:ext cx="0" cy="293518"/>
+              </a:xfrm>
+              <a:prstGeom prst="straightConnector1">
+                <a:avLst/>
+              </a:prstGeom>
+              <a:ln w="15875">
+                <a:solidFill>
+                  <a:schemeClr val="tx1"/>
+                </a:solidFill>
+                <a:tailEnd type="triangle"/>
+              </a:ln>
+            </p:spPr>
+            <p:style>
+              <a:lnRef idx="1">
+                <a:schemeClr val="accent1"/>
+              </a:lnRef>
+              <a:fillRef idx="0">
+                <a:schemeClr val="accent1"/>
+              </a:fillRef>
+              <a:effectRef idx="0">
+                <a:schemeClr val="accent1"/>
+              </a:effectRef>
+              <a:fontRef idx="minor">
+                <a:schemeClr val="tx1"/>
+              </a:fontRef>
+            </p:style>
+          </p:cxnSp>
+        </p:grpSp>
+        <p:grpSp>
+          <p:nvGrpSpPr>
+            <p:cNvPr id="62" name="그룹 61">
+              <a:extLst>
+                <a:ext uri="{FF2B5EF4-FFF2-40B4-BE49-F238E27FC236}">
+                  <a16:creationId xmlns:a16="http://schemas.microsoft.com/office/drawing/2014/main" id="{647113EE-E949-4A0B-8663-B0328AAA081A}"/>
+                </a:ext>
+              </a:extLst>
+            </p:cNvPr>
+            <p:cNvGrpSpPr/>
+            <p:nvPr/>
+          </p:nvGrpSpPr>
+          <p:grpSpPr>
+            <a:xfrm>
+              <a:off x="8629330" y="1157267"/>
+              <a:ext cx="1658797" cy="2522431"/>
+              <a:chOff x="8284190" y="1034775"/>
+              <a:chExt cx="1363579" cy="2164418"/>
+            </a:xfrm>
+          </p:grpSpPr>
+          <p:sp>
+            <p:nvSpPr>
+              <p:cNvPr id="44" name="사각형: 둥근 모서리 43">
+                <a:extLst>
+                  <a:ext uri="{FF2B5EF4-FFF2-40B4-BE49-F238E27FC236}">
+                    <a16:creationId xmlns:a16="http://schemas.microsoft.com/office/drawing/2014/main" id="{0F07C598-E3D3-47AB-82D2-48590DCBC57C}"/>
+                  </a:ext>
+                </a:extLst>
+              </p:cNvPr>
+              <p:cNvSpPr/>
+              <p:nvPr/>
+            </p:nvSpPr>
+            <p:spPr>
+              <a:xfrm>
+                <a:off x="8284190" y="1034775"/>
+                <a:ext cx="1363579" cy="2164418"/>
+              </a:xfrm>
+              <a:prstGeom prst="roundRect">
+                <a:avLst/>
+              </a:prstGeom>
+              <a:solidFill>
+                <a:schemeClr val="bg1"/>
+              </a:solidFill>
+              <a:ln>
+                <a:solidFill>
+                  <a:schemeClr val="tx1"/>
+                </a:solidFill>
+              </a:ln>
+            </p:spPr>
+            <p:style>
+              <a:lnRef idx="2">
+                <a:schemeClr val="accent1">
+                  <a:shade val="50000"/>
+                </a:schemeClr>
+              </a:lnRef>
+              <a:fillRef idx="1">
+                <a:schemeClr val="accent1"/>
+              </a:fillRef>
+              <a:effectRef idx="0">
+                <a:schemeClr val="accent1"/>
+              </a:effectRef>
+              <a:fontRef idx="minor">
+                <a:schemeClr val="lt1"/>
+              </a:fontRef>
+            </p:style>
+            <p:txBody>
+              <a:bodyPr rtlCol="0" anchor="t"/>
+              <a:lstStyle/>
+              <a:p>
+                <a:pPr algn="ctr"/>
+                <a:r>
+                  <a:rPr lang="en-US" altLang="ko-KR" sz="1000" b="1" dirty="0">
+                    <a:solidFill>
+                      <a:schemeClr val="tx1"/>
+                    </a:solidFill>
+                  </a:rPr>
+                  <a:t>HOS Feature</a:t>
+                </a:r>
+              </a:p>
+              <a:p>
+                <a:pPr algn="ctr"/>
+                <a:r>
+                  <a:rPr lang="en-US" altLang="ko-KR" sz="1000" b="1" dirty="0">
+                    <a:solidFill>
+                      <a:schemeClr val="tx1"/>
+                    </a:solidFill>
+                  </a:rPr>
+                  <a:t>Extraction</a:t>
+                </a:r>
+                <a:endParaRPr lang="ko-KR" altLang="en-US" sz="1000" b="1" dirty="0">
+                  <a:solidFill>
+                    <a:schemeClr val="tx1"/>
+                  </a:solidFill>
+                </a:endParaRPr>
+              </a:p>
+            </p:txBody>
+          </p:sp>
+          <mc:AlternateContent xmlns:mc="http://schemas.openxmlformats.org/markup-compatibility/2006">
+            <mc:Choice xmlns:a14="http://schemas.microsoft.com/office/drawing/2010/main" Requires="a14">
+              <p:sp>
+                <p:nvSpPr>
+                  <p:cNvPr id="45" name="직사각형 44">
+                    <a:extLst>
+                      <a:ext uri="{FF2B5EF4-FFF2-40B4-BE49-F238E27FC236}">
+                        <a16:creationId xmlns:a16="http://schemas.microsoft.com/office/drawing/2014/main" id="{01FD3606-828B-467A-B7EF-07EE539FFE48}"/>
+                      </a:ext>
+                    </a:extLst>
+                  </p:cNvPr>
+                  <p:cNvSpPr/>
+                  <p:nvPr/>
+                </p:nvSpPr>
+                <p:spPr>
+                  <a:xfrm>
+                    <a:off x="8444609" y="1575317"/>
+                    <a:ext cx="1034715" cy="541667"/>
+                  </a:xfrm>
+                  <a:prstGeom prst="rect">
+                    <a:avLst/>
+                  </a:prstGeom>
+                  <a:solidFill>
+                    <a:schemeClr val="accent3">
+                      <a:lumMod val="40000"/>
+                      <a:lumOff val="60000"/>
+                    </a:schemeClr>
+                  </a:solidFill>
+                  <a:ln>
+                    <a:noFill/>
+                  </a:ln>
+                </p:spPr>
+                <p:style>
+                  <a:lnRef idx="2">
+                    <a:schemeClr val="accent1">
+                      <a:shade val="50000"/>
+                    </a:schemeClr>
+                  </a:lnRef>
+                  <a:fillRef idx="1">
+                    <a:schemeClr val="accent1"/>
+                  </a:fillRef>
+                  <a:effectRef idx="0">
+                    <a:schemeClr val="accent1"/>
+                  </a:effectRef>
+                  <a:fontRef idx="minor">
+                    <a:schemeClr val="lt1"/>
+                  </a:fontRef>
+                </p:style>
+                <p:txBody>
+                  <a:bodyPr rtlCol="0" anchor="ctr"/>
+                  <a:lstStyle/>
+                  <a:p>
+                    <a:pPr algn="ctr"/>
+                    <a:r>
+                      <a:rPr lang="en-US" altLang="ko-KR" sz="900" dirty="0">
+                        <a:solidFill>
+                          <a:schemeClr val="tx1"/>
+                        </a:solidFill>
+                      </a:rPr>
+                      <a:t>Normalized</a:t>
+                    </a:r>
+                  </a:p>
+                  <a:p>
+                    <a:pPr algn="ctr"/>
+                    <a:r>
+                      <a:rPr lang="en-US" altLang="ko-KR" sz="900" dirty="0">
+                        <a:solidFill>
+                          <a:schemeClr val="tx1"/>
+                        </a:solidFill>
+                      </a:rPr>
+                      <a:t>Entropy : </a:t>
+                    </a:r>
+                    <a14:m>
+                      <m:oMath xmlns:m="http://schemas.openxmlformats.org/officeDocument/2006/math">
+                        <m:sSub>
+                          <m:sSubPr>
+                            <m:ctrlPr>
+                              <a:rPr lang="en-US" altLang="ko-KR" sz="900" b="0" i="1" dirty="0" smtClean="0">
+                                <a:solidFill>
+                                  <a:schemeClr val="tx1"/>
+                                </a:solidFill>
+                                <a:latin typeface="Cambria Math" panose="02040503050406030204" pitchFamily="18" charset="0"/>
+                              </a:rPr>
+                            </m:ctrlPr>
+                          </m:sSubPr>
+                          <m:e>
+                            <m:r>
+                              <a:rPr lang="en-US" altLang="ko-KR" sz="900" i="1" dirty="0" smtClean="0">
+                                <a:solidFill>
+                                  <a:schemeClr val="tx1"/>
+                                </a:solidFill>
+                                <a:latin typeface="Cambria Math" panose="02040503050406030204" pitchFamily="18" charset="0"/>
+                              </a:rPr>
+                              <m:t>𝐸</m:t>
+                            </m:r>
+                          </m:e>
+                          <m:sub>
+                            <m:r>
+                              <a:rPr lang="en-US" altLang="ko-KR" sz="900" b="0" i="1" dirty="0" smtClean="0">
+                                <a:solidFill>
+                                  <a:schemeClr val="tx1"/>
+                                </a:solidFill>
+                                <a:latin typeface="Cambria Math" panose="02040503050406030204" pitchFamily="18" charset="0"/>
+                              </a:rPr>
+                              <m:t>1</m:t>
+                            </m:r>
+                          </m:sub>
+                        </m:sSub>
+                      </m:oMath>
+                    </a14:m>
+                    <a:endParaRPr lang="ko-KR" altLang="en-US" sz="900" dirty="0">
+                      <a:solidFill>
+                        <a:schemeClr val="tx1"/>
+                      </a:solidFill>
+                    </a:endParaRPr>
+                  </a:p>
+                </p:txBody>
+              </p:sp>
+            </mc:Choice>
+            <mc:Fallback>
+              <p:sp>
+                <p:nvSpPr>
+                  <p:cNvPr id="45" name="직사각형 44">
+                    <a:extLst>
+                      <a:ext uri="{FF2B5EF4-FFF2-40B4-BE49-F238E27FC236}">
+                        <a16:creationId xmlns:a16="http://schemas.microsoft.com/office/drawing/2014/main" id="{01FD3606-828B-467A-B7EF-07EE539FFE48}"/>
+                      </a:ext>
+                    </a:extLst>
+                  </p:cNvPr>
+                  <p:cNvSpPr>
+                    <a:spLocks noRot="1" noChangeAspect="1" noMove="1" noResize="1" noEditPoints="1" noAdjustHandles="1" noChangeArrowheads="1" noChangeShapeType="1" noTextEdit="1"/>
+                  </p:cNvSpPr>
+                  <p:nvPr/>
+                </p:nvSpPr>
+                <p:spPr>
+                  <a:xfrm>
+                    <a:off x="8444609" y="1575317"/>
+                    <a:ext cx="1034715" cy="541667"/>
+                  </a:xfrm>
+                  <a:prstGeom prst="rect">
+                    <a:avLst/>
+                  </a:prstGeom>
+                  <a:blipFill>
+                    <a:blip r:embed="rId4"/>
+                    <a:stretch>
+                      <a:fillRect/>
+                    </a:stretch>
+                  </a:blipFill>
+                  <a:ln>
+                    <a:noFill/>
+                  </a:ln>
+                </p:spPr>
+                <p:txBody>
+                  <a:bodyPr/>
+                  <a:lstStyle/>
+                  <a:p>
+                    <a:r>
+                      <a:rPr lang="ko-KR" altLang="en-US">
+                        <a:noFill/>
+                      </a:rPr>
+                      <a:t> </a:t>
+                    </a:r>
+                  </a:p>
+                </p:txBody>
+              </p:sp>
+            </mc:Fallback>
+          </mc:AlternateContent>
+          <mc:AlternateContent xmlns:mc="http://schemas.openxmlformats.org/markup-compatibility/2006">
+            <mc:Choice xmlns:a14="http://schemas.microsoft.com/office/drawing/2010/main" Requires="a14">
+              <p:sp>
+                <p:nvSpPr>
+                  <p:cNvPr id="46" name="직사각형 45">
+                    <a:extLst>
+                      <a:ext uri="{FF2B5EF4-FFF2-40B4-BE49-F238E27FC236}">
+                        <a16:creationId xmlns:a16="http://schemas.microsoft.com/office/drawing/2014/main" id="{07D6754B-5F9B-4CBE-8C1E-82D1CD53B3A9}"/>
+                      </a:ext>
+                    </a:extLst>
+                  </p:cNvPr>
+                  <p:cNvSpPr/>
+                  <p:nvPr/>
+                </p:nvSpPr>
+                <p:spPr>
+                  <a:xfrm>
+                    <a:off x="8444609" y="2270392"/>
+                    <a:ext cx="1034715" cy="659831"/>
+                  </a:xfrm>
+                  <a:prstGeom prst="rect">
+                    <a:avLst/>
+                  </a:prstGeom>
+                  <a:solidFill>
+                    <a:schemeClr val="accent3">
+                      <a:lumMod val="40000"/>
+                      <a:lumOff val="60000"/>
+                    </a:schemeClr>
+                  </a:solidFill>
+                  <a:ln>
+                    <a:noFill/>
+                  </a:ln>
+                </p:spPr>
+                <p:style>
+                  <a:lnRef idx="2">
+                    <a:schemeClr val="accent1">
+                      <a:shade val="50000"/>
+                    </a:schemeClr>
+                  </a:lnRef>
+                  <a:fillRef idx="1">
+                    <a:schemeClr val="accent1"/>
+                  </a:fillRef>
+                  <a:effectRef idx="0">
+                    <a:schemeClr val="accent1"/>
+                  </a:effectRef>
+                  <a:fontRef idx="minor">
+                    <a:schemeClr val="lt1"/>
+                  </a:fontRef>
+                </p:style>
+                <p:txBody>
+                  <a:bodyPr rtlCol="0" anchor="ctr"/>
+                  <a:lstStyle/>
+                  <a:p>
+                    <a:pPr algn="ctr"/>
+                    <a:r>
+                      <a:rPr lang="en-US" altLang="ko-KR" sz="900" dirty="0">
+                        <a:solidFill>
+                          <a:schemeClr val="tx1"/>
+                        </a:solidFill>
+                      </a:rPr>
+                      <a:t>Normalized </a:t>
+                    </a:r>
+                  </a:p>
+                  <a:p>
+                    <a:pPr algn="ctr"/>
+                    <a:r>
+                      <a:rPr lang="en-US" altLang="ko-KR" sz="900" dirty="0">
+                        <a:solidFill>
+                          <a:schemeClr val="tx1"/>
+                        </a:solidFill>
+                      </a:rPr>
+                      <a:t>Squared</a:t>
+                    </a:r>
+                  </a:p>
+                  <a:p>
+                    <a:pPr algn="ctr"/>
+                    <a:r>
+                      <a:rPr lang="en-US" altLang="ko-KR" sz="900" dirty="0">
+                        <a:solidFill>
+                          <a:schemeClr val="tx1"/>
+                        </a:solidFill>
+                      </a:rPr>
+                      <a:t>Entropy : </a:t>
+                    </a:r>
+                    <a14:m>
+                      <m:oMath xmlns:m="http://schemas.openxmlformats.org/officeDocument/2006/math">
+                        <m:sSub>
+                          <m:sSubPr>
+                            <m:ctrlPr>
+                              <a:rPr lang="en-US" altLang="ko-KR" sz="900" b="0" i="1" smtClean="0">
+                                <a:solidFill>
+                                  <a:schemeClr val="tx1"/>
+                                </a:solidFill>
+                                <a:latin typeface="Cambria Math" panose="02040503050406030204" pitchFamily="18" charset="0"/>
+                              </a:rPr>
+                            </m:ctrlPr>
+                          </m:sSubPr>
+                          <m:e>
+                            <m:r>
+                              <a:rPr lang="en-US" altLang="ko-KR" sz="900" b="0" i="1" smtClean="0">
+                                <a:solidFill>
+                                  <a:schemeClr val="tx1"/>
+                                </a:solidFill>
+                                <a:latin typeface="Cambria Math" panose="02040503050406030204" pitchFamily="18" charset="0"/>
+                              </a:rPr>
+                              <m:t>𝐸</m:t>
+                            </m:r>
+                          </m:e>
+                          <m:sub>
+                            <m:r>
+                              <a:rPr lang="en-US" altLang="ko-KR" sz="900" b="0" i="1" smtClean="0">
+                                <a:solidFill>
+                                  <a:schemeClr val="tx1"/>
+                                </a:solidFill>
+                                <a:latin typeface="Cambria Math" panose="02040503050406030204" pitchFamily="18" charset="0"/>
+                              </a:rPr>
+                              <m:t>2</m:t>
+                            </m:r>
+                          </m:sub>
+                        </m:sSub>
+                      </m:oMath>
+                    </a14:m>
+                    <a:endParaRPr lang="en-US" altLang="ko-KR" sz="900" b="0" dirty="0">
+                      <a:solidFill>
+                        <a:schemeClr val="tx1"/>
+                      </a:solidFill>
+                    </a:endParaRPr>
+                  </a:p>
+                </p:txBody>
+              </p:sp>
+            </mc:Choice>
+            <mc:Fallback>
+              <p:sp>
+                <p:nvSpPr>
+                  <p:cNvPr id="46" name="직사각형 45">
+                    <a:extLst>
+                      <a:ext uri="{FF2B5EF4-FFF2-40B4-BE49-F238E27FC236}">
+                        <a16:creationId xmlns:a16="http://schemas.microsoft.com/office/drawing/2014/main" id="{07D6754B-5F9B-4CBE-8C1E-82D1CD53B3A9}"/>
+                      </a:ext>
+                    </a:extLst>
+                  </p:cNvPr>
+                  <p:cNvSpPr>
+                    <a:spLocks noRot="1" noChangeAspect="1" noMove="1" noResize="1" noEditPoints="1" noAdjustHandles="1" noChangeArrowheads="1" noChangeShapeType="1" noTextEdit="1"/>
+                  </p:cNvSpPr>
+                  <p:nvPr/>
+                </p:nvSpPr>
+                <p:spPr>
+                  <a:xfrm>
+                    <a:off x="8444609" y="2270392"/>
+                    <a:ext cx="1034715" cy="659831"/>
+                  </a:xfrm>
+                  <a:prstGeom prst="rect">
+                    <a:avLst/>
+                  </a:prstGeom>
+                  <a:blipFill>
+                    <a:blip r:embed="rId5"/>
+                    <a:stretch>
+                      <a:fillRect/>
+                    </a:stretch>
+                  </a:blipFill>
+                  <a:ln>
+                    <a:noFill/>
+                  </a:ln>
+                </p:spPr>
+                <p:txBody>
+                  <a:bodyPr/>
+                  <a:lstStyle/>
+                  <a:p>
+                    <a:r>
+                      <a:rPr lang="ko-KR" altLang="en-US">
+                        <a:noFill/>
+                      </a:rPr>
+                      <a:t> </a:t>
+                    </a:r>
+                  </a:p>
+                </p:txBody>
+              </p:sp>
+            </mc:Fallback>
+          </mc:AlternateContent>
+        </p:grpSp>
+        <p:grpSp>
+          <p:nvGrpSpPr>
+            <p:cNvPr id="55" name="그룹 54">
+              <a:extLst>
+                <a:ext uri="{FF2B5EF4-FFF2-40B4-BE49-F238E27FC236}">
+                  <a16:creationId xmlns:a16="http://schemas.microsoft.com/office/drawing/2014/main" id="{9295D5B3-3D19-4BA5-8FBD-68D88FCF477B}"/>
+                </a:ext>
+              </a:extLst>
+            </p:cNvPr>
+            <p:cNvGrpSpPr/>
+            <p:nvPr/>
+          </p:nvGrpSpPr>
+          <p:grpSpPr>
+            <a:xfrm>
+              <a:off x="7311404" y="4243499"/>
+              <a:ext cx="3813388" cy="729463"/>
+              <a:chOff x="7344527" y="3911542"/>
+              <a:chExt cx="3813388" cy="729463"/>
+            </a:xfrm>
+          </p:grpSpPr>
+          <p:sp>
+            <p:nvSpPr>
+              <p:cNvPr id="48" name="사각형: 둥근 모서리 47">
+                <a:extLst>
+                  <a:ext uri="{FF2B5EF4-FFF2-40B4-BE49-F238E27FC236}">
+                    <a16:creationId xmlns:a16="http://schemas.microsoft.com/office/drawing/2014/main" id="{4789E49F-8570-4119-B378-7CA1234F808A}"/>
+                  </a:ext>
+                </a:extLst>
+              </p:cNvPr>
+              <p:cNvSpPr/>
+              <p:nvPr/>
+            </p:nvSpPr>
+            <p:spPr>
+              <a:xfrm>
+                <a:off x="7344527" y="3911542"/>
+                <a:ext cx="3813388" cy="729463"/>
+              </a:xfrm>
+              <a:prstGeom prst="roundRect">
+                <a:avLst/>
+              </a:prstGeom>
+              <a:solidFill>
+                <a:schemeClr val="bg1"/>
+              </a:solidFill>
+              <a:ln>
+                <a:solidFill>
+                  <a:schemeClr val="tx1"/>
+                </a:solidFill>
+              </a:ln>
+            </p:spPr>
+            <p:style>
+              <a:lnRef idx="2">
+                <a:schemeClr val="accent1">
+                  <a:shade val="50000"/>
+                </a:schemeClr>
+              </a:lnRef>
+              <a:fillRef idx="1">
+                <a:schemeClr val="accent1"/>
+              </a:fillRef>
+              <a:effectRef idx="0">
+                <a:schemeClr val="accent1"/>
+              </a:effectRef>
+              <a:fontRef idx="minor">
+                <a:schemeClr val="lt1"/>
+              </a:fontRef>
+            </p:style>
+            <p:txBody>
+              <a:bodyPr rtlCol="0" anchor="t"/>
+              <a:lstStyle/>
+              <a:p>
+                <a:pPr algn="ctr"/>
+                <a:r>
+                  <a:rPr lang="en-US" altLang="ko-KR" sz="1000" b="1" dirty="0">
+                    <a:solidFill>
+                      <a:schemeClr val="tx1"/>
+                    </a:solidFill>
+                  </a:rPr>
+                  <a:t>Data Splitting </a:t>
+                </a:r>
+                <a:endParaRPr lang="ko-KR" altLang="en-US" sz="1000" b="1" dirty="0">
+                  <a:solidFill>
+                    <a:schemeClr val="tx1"/>
+                  </a:solidFill>
+                </a:endParaRPr>
+              </a:p>
+            </p:txBody>
+          </p:sp>
+          <p:sp>
+            <p:nvSpPr>
+              <p:cNvPr id="49" name="직사각형 48">
+                <a:extLst>
+                  <a:ext uri="{FF2B5EF4-FFF2-40B4-BE49-F238E27FC236}">
+                    <a16:creationId xmlns:a16="http://schemas.microsoft.com/office/drawing/2014/main" id="{E9984588-132A-42AA-8178-2E8B6CB1D32D}"/>
+                  </a:ext>
+                </a:extLst>
+              </p:cNvPr>
+              <p:cNvSpPr/>
+              <p:nvPr/>
+            </p:nvSpPr>
+            <p:spPr>
+              <a:xfrm>
+                <a:off x="8670108" y="4207419"/>
+                <a:ext cx="1162227" cy="368963"/>
+              </a:xfrm>
+              <a:prstGeom prst="rect">
+                <a:avLst/>
+              </a:prstGeom>
+              <a:solidFill>
+                <a:schemeClr val="accent3">
+                  <a:lumMod val="40000"/>
+                  <a:lumOff val="60000"/>
+                </a:schemeClr>
+              </a:solidFill>
+              <a:ln>
+                <a:noFill/>
+              </a:ln>
+            </p:spPr>
+            <p:style>
+              <a:lnRef idx="2">
+                <a:schemeClr val="accent1">
+                  <a:shade val="50000"/>
+                </a:schemeClr>
+              </a:lnRef>
+              <a:fillRef idx="1">
+                <a:schemeClr val="accent1"/>
+              </a:fillRef>
+              <a:effectRef idx="0">
+                <a:schemeClr val="accent1"/>
+              </a:effectRef>
+              <a:fontRef idx="minor">
+                <a:schemeClr val="lt1"/>
+              </a:fontRef>
+            </p:style>
+            <p:txBody>
+              <a:bodyPr rtlCol="0" anchor="ctr"/>
+              <a:lstStyle/>
+              <a:p>
+                <a:pPr algn="ctr"/>
+                <a:r>
+                  <a:rPr lang="en-US" altLang="ko-KR" sz="1050" dirty="0">
+                    <a:solidFill>
+                      <a:schemeClr val="tx1"/>
+                    </a:solidFill>
+                  </a:rPr>
+                  <a:t>Validation : 30%</a:t>
+                </a:r>
+                <a:endParaRPr lang="ko-KR" altLang="en-US" sz="1050" dirty="0">
+                  <a:solidFill>
+                    <a:schemeClr val="tx1"/>
+                  </a:solidFill>
+                </a:endParaRPr>
+              </a:p>
+            </p:txBody>
+          </p:sp>
+          <p:sp>
+            <p:nvSpPr>
+              <p:cNvPr id="50" name="직사각형 49">
+                <a:extLst>
+                  <a:ext uri="{FF2B5EF4-FFF2-40B4-BE49-F238E27FC236}">
+                    <a16:creationId xmlns:a16="http://schemas.microsoft.com/office/drawing/2014/main" id="{5C8304EC-6D83-4724-BEE9-C90DEBDCB93D}"/>
+                  </a:ext>
+                </a:extLst>
+              </p:cNvPr>
+              <p:cNvSpPr/>
+              <p:nvPr/>
+            </p:nvSpPr>
+            <p:spPr>
+              <a:xfrm>
+                <a:off x="7520021" y="4207419"/>
+                <a:ext cx="1011420" cy="368963"/>
+              </a:xfrm>
+              <a:prstGeom prst="rect">
+                <a:avLst/>
+              </a:prstGeom>
+              <a:solidFill>
+                <a:schemeClr val="accent3">
+                  <a:lumMod val="40000"/>
+                  <a:lumOff val="60000"/>
+                </a:schemeClr>
+              </a:solidFill>
+              <a:ln>
+                <a:noFill/>
+              </a:ln>
+            </p:spPr>
+            <p:style>
+              <a:lnRef idx="2">
+                <a:schemeClr val="accent1">
+                  <a:shade val="50000"/>
+                </a:schemeClr>
+              </a:lnRef>
+              <a:fillRef idx="1">
+                <a:schemeClr val="accent1"/>
+              </a:fillRef>
+              <a:effectRef idx="0">
+                <a:schemeClr val="accent1"/>
+              </a:effectRef>
+              <a:fontRef idx="minor">
+                <a:schemeClr val="lt1"/>
+              </a:fontRef>
+            </p:style>
+            <p:txBody>
+              <a:bodyPr rtlCol="0" anchor="ctr"/>
+              <a:lstStyle/>
+              <a:p>
+                <a:pPr algn="ctr"/>
+                <a:r>
+                  <a:rPr lang="en-US" altLang="ko-KR" sz="1050" dirty="0">
+                    <a:solidFill>
+                      <a:schemeClr val="tx1"/>
+                    </a:solidFill>
+                  </a:rPr>
+                  <a:t>Testing : 30%</a:t>
+                </a:r>
+                <a:endParaRPr lang="ko-KR" altLang="en-US" sz="1050" dirty="0">
+                  <a:solidFill>
+                    <a:schemeClr val="tx1"/>
+                  </a:solidFill>
+                </a:endParaRPr>
+              </a:p>
+            </p:txBody>
+          </p:sp>
+          <p:sp>
+            <p:nvSpPr>
+              <p:cNvPr id="51" name="직사각형 50">
+                <a:extLst>
+                  <a:ext uri="{FF2B5EF4-FFF2-40B4-BE49-F238E27FC236}">
+                    <a16:creationId xmlns:a16="http://schemas.microsoft.com/office/drawing/2014/main" id="{25980F7C-81CF-4A7D-ABE3-92D2D812BF25}"/>
+                  </a:ext>
+                </a:extLst>
+              </p:cNvPr>
+              <p:cNvSpPr/>
+              <p:nvPr/>
+            </p:nvSpPr>
+            <p:spPr>
+              <a:xfrm>
+                <a:off x="9970126" y="4206822"/>
+                <a:ext cx="1086824" cy="368963"/>
+              </a:xfrm>
+              <a:prstGeom prst="rect">
+                <a:avLst/>
+              </a:prstGeom>
+              <a:solidFill>
+                <a:schemeClr val="accent3">
+                  <a:lumMod val="40000"/>
+                  <a:lumOff val="60000"/>
+                </a:schemeClr>
+              </a:solidFill>
+              <a:ln>
+                <a:noFill/>
+              </a:ln>
+            </p:spPr>
+            <p:style>
+              <a:lnRef idx="2">
+                <a:schemeClr val="accent1">
+                  <a:shade val="50000"/>
+                </a:schemeClr>
+              </a:lnRef>
+              <a:fillRef idx="1">
+                <a:schemeClr val="accent1"/>
+              </a:fillRef>
+              <a:effectRef idx="0">
+                <a:schemeClr val="accent1"/>
+              </a:effectRef>
+              <a:fontRef idx="minor">
+                <a:schemeClr val="lt1"/>
+              </a:fontRef>
+            </p:style>
+            <p:txBody>
+              <a:bodyPr rtlCol="0" anchor="ctr"/>
+              <a:lstStyle/>
+              <a:p>
+                <a:pPr algn="ctr"/>
+                <a:r>
+                  <a:rPr lang="en-US" altLang="ko-KR" sz="1050" dirty="0">
+                    <a:solidFill>
+                      <a:schemeClr val="tx1"/>
+                    </a:solidFill>
+                  </a:rPr>
+                  <a:t>Training : 40%</a:t>
+                </a:r>
+                <a:endParaRPr lang="ko-KR" altLang="en-US" sz="1050" dirty="0">
+                  <a:solidFill>
+                    <a:schemeClr val="tx1"/>
+                  </a:solidFill>
+                </a:endParaRPr>
+              </a:p>
+            </p:txBody>
+          </p:sp>
+        </p:grpSp>
+        <p:cxnSp>
+          <p:nvCxnSpPr>
+            <p:cNvPr id="52" name="직선 화살표 연결선 51">
+              <a:extLst>
+                <a:ext uri="{FF2B5EF4-FFF2-40B4-BE49-F238E27FC236}">
+                  <a16:creationId xmlns:a16="http://schemas.microsoft.com/office/drawing/2014/main" id="{BE2DC6ED-CFA2-4DC1-9203-E9D0D5B63531}"/>
+                </a:ext>
+              </a:extLst>
+            </p:cNvPr>
+            <p:cNvCxnSpPr>
+              <a:cxnSpLocks/>
+            </p:cNvCxnSpPr>
+            <p:nvPr/>
+          </p:nvCxnSpPr>
+          <p:spPr>
+            <a:xfrm>
+              <a:off x="9484242" y="3724080"/>
+              <a:ext cx="0" cy="448995"/>
+            </a:xfrm>
+            <a:prstGeom prst="straightConnector1">
+              <a:avLst/>
+            </a:prstGeom>
+            <a:ln w="22225">
+              <a:solidFill>
+                <a:schemeClr val="tx1"/>
+              </a:solidFill>
+              <a:tailEnd type="triangle"/>
+            </a:ln>
+          </p:spPr>
+          <p:style>
+            <a:lnRef idx="1">
+              <a:schemeClr val="accent1"/>
+            </a:lnRef>
+            <a:fillRef idx="0">
+              <a:schemeClr val="accent1"/>
+            </a:fillRef>
+            <a:effectRef idx="0">
+              <a:schemeClr val="accent1"/>
+            </a:effectRef>
+            <a:fontRef idx="minor">
+              <a:schemeClr val="tx1"/>
+            </a:fontRef>
+          </p:style>
+        </p:cxnSp>
+        <p:cxnSp>
+          <p:nvCxnSpPr>
+            <p:cNvPr id="60" name="직선 화살표 연결선 59">
+              <a:extLst>
+                <a:ext uri="{FF2B5EF4-FFF2-40B4-BE49-F238E27FC236}">
+                  <a16:creationId xmlns:a16="http://schemas.microsoft.com/office/drawing/2014/main" id="{2AAC9251-1695-4579-9132-647AAA829D95}"/>
+                </a:ext>
+              </a:extLst>
+            </p:cNvPr>
+            <p:cNvCxnSpPr>
+              <a:cxnSpLocks/>
+            </p:cNvCxnSpPr>
+            <p:nvPr/>
+          </p:nvCxnSpPr>
+          <p:spPr>
+            <a:xfrm>
+              <a:off x="5744542" y="2395366"/>
+              <a:ext cx="521737" cy="0"/>
+            </a:xfrm>
+            <a:prstGeom prst="straightConnector1">
+              <a:avLst/>
+            </a:prstGeom>
+            <a:ln w="22225">
+              <a:solidFill>
+                <a:schemeClr val="tx1"/>
+              </a:solidFill>
+              <a:tailEnd type="triangle"/>
+            </a:ln>
+          </p:spPr>
+          <p:style>
+            <a:lnRef idx="1">
+              <a:schemeClr val="accent1"/>
+            </a:lnRef>
+            <a:fillRef idx="0">
+              <a:schemeClr val="accent1"/>
+            </a:fillRef>
+            <a:effectRef idx="0">
+              <a:schemeClr val="accent1"/>
+            </a:effectRef>
+            <a:fontRef idx="minor">
+              <a:schemeClr val="tx1"/>
+            </a:fontRef>
+          </p:style>
+        </p:cxnSp>
+        <p:cxnSp>
+          <p:nvCxnSpPr>
+            <p:cNvPr id="61" name="직선 화살표 연결선 60">
+              <a:extLst>
+                <a:ext uri="{FF2B5EF4-FFF2-40B4-BE49-F238E27FC236}">
+                  <a16:creationId xmlns:a16="http://schemas.microsoft.com/office/drawing/2014/main" id="{74F63971-2EBB-4A3B-8E49-E86990F9F660}"/>
+                </a:ext>
+              </a:extLst>
+            </p:cNvPr>
+            <p:cNvCxnSpPr>
+              <a:cxnSpLocks/>
+            </p:cNvCxnSpPr>
+            <p:nvPr/>
+          </p:nvCxnSpPr>
+          <p:spPr>
+            <a:xfrm>
+              <a:off x="8045557" y="2429003"/>
+              <a:ext cx="521737" cy="0"/>
+            </a:xfrm>
+            <a:prstGeom prst="straightConnector1">
+              <a:avLst/>
+            </a:prstGeom>
+            <a:ln w="22225">
+              <a:solidFill>
+                <a:schemeClr val="tx1"/>
+              </a:solidFill>
+              <a:tailEnd type="triangle"/>
+            </a:ln>
+          </p:spPr>
+          <p:style>
+            <a:lnRef idx="1">
+              <a:schemeClr val="accent1"/>
+            </a:lnRef>
+            <a:fillRef idx="0">
+              <a:schemeClr val="accent1"/>
+            </a:fillRef>
+            <a:effectRef idx="0">
+              <a:schemeClr val="accent1"/>
+            </a:effectRef>
+            <a:fontRef idx="minor">
+              <a:schemeClr val="tx1"/>
+            </a:fontRef>
+          </p:style>
+        </p:cxnSp>
+      </p:grpSp>
+    </p:spTree>
+    <p:extLst>
+      <p:ext uri="{BB962C8B-B14F-4D97-AF65-F5344CB8AC3E}">
+        <p14:creationId xmlns:p14="http://schemas.microsoft.com/office/powerpoint/2010/main" val="4282675684"/>
+      </p:ext>
+    </p:extLst>
+  </p:cSld>
+  <p:clrMapOvr>
+    <a:masterClrMapping/>
+  </p:clrMapOvr>
+</p:sld>
+</file>
+
+<file path=ppt/slides/slide7.xml><?xml version="1.0" encoding="utf-8"?>
 <p:sld xmlns:a="http://schemas.openxmlformats.org/drawingml/2006/main" xmlns:r="http://schemas.openxmlformats.org/officeDocument/2006/relationships" xmlns:p="http://schemas.openxmlformats.org/presentationml/2006/main">
   <p:cSld>
     <p:spTree>
@@ -5621,7 +8143,7 @@
             <a:fld id="{F8C8922F-6993-492D-AE88-5D53D2680DFA}" type="slidenum">
               <a:rPr lang="ko-KR" altLang="en-US" smtClean="0"/>
               <a:pPr algn="r"/>
-              <a:t>5</a:t>
+              <a:t>7</a:t>
             </a:fld>
             <a:endParaRPr lang="ko-KR" altLang="en-US" dirty="0"/>
           </a:p>
